--- a/teaching/cs513slides/lecture13-communication-and-security.pptx
+++ b/teaching/cs513slides/lecture13-communication-and-security.pptx
@@ -326,7 +326,7 @@
           <a:p>
             <a:fld id="{C6FDED16-27A6-4B02-8990-5091F570602B}" type="datetimeFigureOut">
               <a:rPr lang="en-US" smtClean="0"/>
-              <a:t>11/9/2020</a:t>
+              <a:t>11/29/2021</a:t>
             </a:fld>
             <a:endParaRPr lang="en-US"/>
           </a:p>
@@ -524,7 +524,7 @@
           <a:p>
             <a:fld id="{C6FDED16-27A6-4B02-8990-5091F570602B}" type="datetimeFigureOut">
               <a:rPr lang="en-US" smtClean="0"/>
-              <a:t>11/9/2020</a:t>
+              <a:t>11/29/2021</a:t>
             </a:fld>
             <a:endParaRPr lang="en-US"/>
           </a:p>
@@ -732,7 +732,7 @@
           <a:p>
             <a:fld id="{C6FDED16-27A6-4B02-8990-5091F570602B}" type="datetimeFigureOut">
               <a:rPr lang="en-US" smtClean="0"/>
-              <a:t>11/9/2020</a:t>
+              <a:t>11/29/2021</a:t>
             </a:fld>
             <a:endParaRPr lang="en-US"/>
           </a:p>
@@ -944,7 +944,7 @@
           <p:nvPr userDrawn="1"/>
         </p:nvPicPr>
         <mc:AlternateContent xmlns:mc="http://schemas.openxmlformats.org/markup-compatibility/2006">
-          <mc:Choice xmlns:ma="http://schemas.microsoft.com/office/mac/drawingml/2008/main" xmlns:mv="urn:schemas-microsoft-com:mac:vml" xmlns="" Requires="ma">
+          <mc:Choice xmlns="" xmlns:mv="urn:schemas-microsoft-com:mac:vml" xmlns:ma="http://schemas.microsoft.com/office/mac/drawingml/2008/main" Requires="ma">
             <p:blipFill>
               <a:blip r:embed="rId3"/>
               <a:stretch>
@@ -1506,7 +1506,7 @@
           <a:p>
             <a:fld id="{C6FDED16-27A6-4B02-8990-5091F570602B}" type="datetimeFigureOut">
               <a:rPr lang="en-US" smtClean="0"/>
-              <a:t>11/9/2020</a:t>
+              <a:t>11/29/2021</a:t>
             </a:fld>
             <a:endParaRPr lang="en-US"/>
           </a:p>
@@ -1781,7 +1781,7 @@
           <a:p>
             <a:fld id="{C6FDED16-27A6-4B02-8990-5091F570602B}" type="datetimeFigureOut">
               <a:rPr lang="en-US" smtClean="0"/>
-              <a:t>11/9/2020</a:t>
+              <a:t>11/29/2021</a:t>
             </a:fld>
             <a:endParaRPr lang="en-US"/>
           </a:p>
@@ -2046,7 +2046,7 @@
           <a:p>
             <a:fld id="{C6FDED16-27A6-4B02-8990-5091F570602B}" type="datetimeFigureOut">
               <a:rPr lang="en-US" smtClean="0"/>
-              <a:t>11/9/2020</a:t>
+              <a:t>11/29/2021</a:t>
             </a:fld>
             <a:endParaRPr lang="en-US"/>
           </a:p>
@@ -2458,7 +2458,7 @@
           <a:p>
             <a:fld id="{C6FDED16-27A6-4B02-8990-5091F570602B}" type="datetimeFigureOut">
               <a:rPr lang="en-US" smtClean="0"/>
-              <a:t>11/9/2020</a:t>
+              <a:t>11/29/2021</a:t>
             </a:fld>
             <a:endParaRPr lang="en-US"/>
           </a:p>
@@ -2599,7 +2599,7 @@
           <a:p>
             <a:fld id="{C6FDED16-27A6-4B02-8990-5091F570602B}" type="datetimeFigureOut">
               <a:rPr lang="en-US" smtClean="0"/>
-              <a:t>11/9/2020</a:t>
+              <a:t>11/29/2021</a:t>
             </a:fld>
             <a:endParaRPr lang="en-US"/>
           </a:p>
@@ -2712,7 +2712,7 @@
           <a:p>
             <a:fld id="{C6FDED16-27A6-4B02-8990-5091F570602B}" type="datetimeFigureOut">
               <a:rPr lang="en-US" smtClean="0"/>
-              <a:t>11/9/2020</a:t>
+              <a:t>11/29/2021</a:t>
             </a:fld>
             <a:endParaRPr lang="en-US"/>
           </a:p>
@@ -3023,7 +3023,7 @@
           <a:p>
             <a:fld id="{C6FDED16-27A6-4B02-8990-5091F570602B}" type="datetimeFigureOut">
               <a:rPr lang="en-US" smtClean="0"/>
-              <a:t>11/9/2020</a:t>
+              <a:t>11/29/2021</a:t>
             </a:fld>
             <a:endParaRPr lang="en-US"/>
           </a:p>
@@ -3311,7 +3311,7 @@
           <a:p>
             <a:fld id="{C6FDED16-27A6-4B02-8990-5091F570602B}" type="datetimeFigureOut">
               <a:rPr lang="en-US" smtClean="0"/>
-              <a:t>11/9/2020</a:t>
+              <a:t>11/29/2021</a:t>
             </a:fld>
             <a:endParaRPr lang="en-US"/>
           </a:p>
@@ -3552,7 +3552,7 @@
           <a:p>
             <a:fld id="{C6FDED16-27A6-4B02-8990-5091F570602B}" type="datetimeFigureOut">
               <a:rPr lang="en-US" smtClean="0"/>
-              <a:t>11/9/2020</a:t>
+              <a:t>11/29/2021</a:t>
             </a:fld>
             <a:endParaRPr lang="en-US"/>
           </a:p>
@@ -4005,7 +4005,7 @@
             </a:br>
             <a:r>
               <a:rPr lang="en-US" sz="4000" dirty="0"/>
-              <a:t>Communication, Coordination, Security</a:t>
+              <a:t>Communication, Coordination &amp; Wrap-up</a:t>
             </a:r>
             <a:endParaRPr lang="en-US" dirty="0"/>
           </a:p>
@@ -4238,8 +4238,8 @@
           <a:chExt cx="0" cy="0"/>
         </a:xfrm>
       </p:grpSpPr>
-      <mc:AlternateContent xmlns:mc="http://schemas.openxmlformats.org/markup-compatibility/2006">
-        <mc:Choice xmlns:a14="http://schemas.microsoft.com/office/drawing/2010/main" Requires="a14">
+      <mc:AlternateContent xmlns:mc="http://schemas.openxmlformats.org/markup-compatibility/2006" xmlns:a14="http://schemas.microsoft.com/office/drawing/2010/main">
+        <mc:Choice Requires="a14">
           <p:sp>
             <p:nvSpPr>
               <p:cNvPr id="2" name="Content Placeholder 1">
@@ -5267,7 +5267,7 @@
             </p:txBody>
           </p:sp>
         </mc:Choice>
-        <mc:Fallback>
+        <mc:Fallback xmlns="">
           <p:sp>
             <p:nvSpPr>
               <p:cNvPr id="2" name="Content Placeholder 1">
@@ -5307,8 +5307,8 @@
           </p:sp>
         </mc:Fallback>
       </mc:AlternateContent>
-      <mc:AlternateContent xmlns:mc="http://schemas.openxmlformats.org/markup-compatibility/2006">
-        <mc:Choice xmlns:a14="http://schemas.microsoft.com/office/drawing/2010/main" Requires="a14">
+      <mc:AlternateContent xmlns:mc="http://schemas.openxmlformats.org/markup-compatibility/2006" xmlns:a14="http://schemas.microsoft.com/office/drawing/2010/main">
+        <mc:Choice Requires="a14">
           <p:sp>
             <p:nvSpPr>
               <p:cNvPr id="3" name="Title 2">
@@ -5348,7 +5348,7 @@
             </p:txBody>
           </p:sp>
         </mc:Choice>
-        <mc:Fallback>
+        <mc:Fallback xmlns="">
           <p:sp>
             <p:nvSpPr>
               <p:cNvPr id="3" name="Title 2">
@@ -5418,8 +5418,8 @@
           <a:chExt cx="0" cy="0"/>
         </a:xfrm>
       </p:grpSpPr>
-      <mc:AlternateContent xmlns:mc="http://schemas.openxmlformats.org/markup-compatibility/2006">
-        <mc:Choice xmlns:a14="http://schemas.microsoft.com/office/drawing/2010/main" Requires="a14">
+      <mc:AlternateContent xmlns:mc="http://schemas.openxmlformats.org/markup-compatibility/2006" xmlns:a14="http://schemas.microsoft.com/office/drawing/2010/main">
+        <mc:Choice Requires="a14">
           <p:sp>
             <p:nvSpPr>
               <p:cNvPr id="2" name="Content Placeholder 1">
@@ -6055,7 +6055,7 @@
             </p:txBody>
           </p:sp>
         </mc:Choice>
-        <mc:Fallback>
+        <mc:Fallback xmlns="">
           <p:sp>
             <p:nvSpPr>
               <p:cNvPr id="2" name="Content Placeholder 1">
@@ -6095,8 +6095,8 @@
           </p:sp>
         </mc:Fallback>
       </mc:AlternateContent>
-      <mc:AlternateContent xmlns:mc="http://schemas.openxmlformats.org/markup-compatibility/2006">
-        <mc:Choice xmlns:a14="http://schemas.microsoft.com/office/drawing/2010/main" Requires="a14">
+      <mc:AlternateContent xmlns:mc="http://schemas.openxmlformats.org/markup-compatibility/2006" xmlns:a14="http://schemas.microsoft.com/office/drawing/2010/main">
+        <mc:Choice Requires="a14">
           <p:sp>
             <p:nvSpPr>
               <p:cNvPr id="3" name="Title 2">
@@ -6140,7 +6140,7 @@
             </p:txBody>
           </p:sp>
         </mc:Choice>
-        <mc:Fallback>
+        <mc:Fallback xmlns="">
           <p:sp>
             <p:nvSpPr>
               <p:cNvPr id="3" name="Title 2">
@@ -6210,8 +6210,8 @@
           <a:chExt cx="0" cy="0"/>
         </a:xfrm>
       </p:grpSpPr>
-      <mc:AlternateContent xmlns:mc="http://schemas.openxmlformats.org/markup-compatibility/2006">
-        <mc:Choice xmlns:a14="http://schemas.microsoft.com/office/drawing/2010/main" Requires="a14">
+      <mc:AlternateContent xmlns:mc="http://schemas.openxmlformats.org/markup-compatibility/2006" xmlns:a14="http://schemas.microsoft.com/office/drawing/2010/main">
+        <mc:Choice Requires="a14">
           <p:sp>
             <p:nvSpPr>
               <p:cNvPr id="2" name="Content Placeholder 1">
@@ -7004,7 +7004,7 @@
             </p:txBody>
           </p:sp>
         </mc:Choice>
-        <mc:Fallback>
+        <mc:Fallback xmlns="">
           <p:sp>
             <p:nvSpPr>
               <p:cNvPr id="2" name="Content Placeholder 1">
@@ -7542,7 +7542,7 @@
           <a:p>
             <a:pPr lvl="1"/>
             <a:r>
-              <a:rPr lang="en-US" sz="3600" dirty="0"/>
+              <a:rPr lang="en-US" sz="3200" dirty="0"/>
               <a:t>Information services</a:t>
             </a:r>
           </a:p>
@@ -8550,8 +8550,8 @@
           <a:chExt cx="0" cy="0"/>
         </a:xfrm>
       </p:grpSpPr>
-      <mc:AlternateContent xmlns:mc="http://schemas.openxmlformats.org/markup-compatibility/2006">
-        <mc:Choice xmlns:a14="http://schemas.microsoft.com/office/drawing/2010/main" Requires="a14">
+      <mc:AlternateContent xmlns:mc="http://schemas.openxmlformats.org/markup-compatibility/2006" xmlns:a14="http://schemas.microsoft.com/office/drawing/2010/main">
+        <mc:Choice Requires="a14">
           <p:sp>
             <p:nvSpPr>
               <p:cNvPr id="2" name="Content Placeholder 1">
@@ -8693,7 +8693,7 @@
             </p:txBody>
           </p:sp>
         </mc:Choice>
-        <mc:Fallback>
+        <mc:Fallback xmlns="">
           <p:sp>
             <p:nvSpPr>
               <p:cNvPr id="2" name="Content Placeholder 1">
@@ -8919,8 +8919,8 @@
           </a:p>
         </p:txBody>
       </p:sp>
-      <mc:AlternateContent xmlns:mc="http://schemas.openxmlformats.org/markup-compatibility/2006">
-        <mc:Choice xmlns:a14="http://schemas.microsoft.com/office/drawing/2010/main" Requires="a14">
+      <mc:AlternateContent xmlns:mc="http://schemas.openxmlformats.org/markup-compatibility/2006" xmlns:a14="http://schemas.microsoft.com/office/drawing/2010/main">
+        <mc:Choice Requires="a14">
           <p:sp>
             <p:nvSpPr>
               <p:cNvPr id="6" name="TextBox 5">
@@ -9023,7 +9023,7 @@
             </p:txBody>
           </p:sp>
         </mc:Choice>
-        <mc:Fallback>
+        <mc:Fallback xmlns="">
           <p:sp>
             <p:nvSpPr>
               <p:cNvPr id="6" name="TextBox 5">
@@ -9155,8 +9155,8 @@
           </a:p>
         </p:txBody>
       </p:sp>
-      <mc:AlternateContent xmlns:mc="http://schemas.openxmlformats.org/markup-compatibility/2006">
-        <mc:Choice xmlns:a14="http://schemas.microsoft.com/office/drawing/2010/main" Requires="a14">
+      <mc:AlternateContent xmlns:mc="http://schemas.openxmlformats.org/markup-compatibility/2006" xmlns:a14="http://schemas.microsoft.com/office/drawing/2010/main">
+        <mc:Choice Requires="a14">
           <p:sp>
             <p:nvSpPr>
               <p:cNvPr id="7" name="TextBox 6">
@@ -9217,7 +9217,7 @@
             </p:txBody>
           </p:sp>
         </mc:Choice>
-        <mc:Fallback>
+        <mc:Fallback xmlns="">
           <p:sp>
             <p:nvSpPr>
               <p:cNvPr id="7" name="TextBox 6">
@@ -9802,60 +9802,77 @@
             <p:ph idx="1"/>
           </p:nvPr>
         </p:nvSpPr>
-        <p:spPr/>
+        <p:spPr>
+          <a:xfrm>
+            <a:off x="166681" y="1903615"/>
+            <a:ext cx="11699087" cy="3780426"/>
+          </a:xfrm>
+        </p:spPr>
         <p:txBody>
           <a:bodyPr>
-            <a:normAutofit lnSpcReduction="10000"/>
+            <a:normAutofit/>
           </a:bodyPr>
           <a:lstStyle/>
           <a:p>
             <a:r>
               <a:rPr lang="en-US" dirty="0"/>
+              <a:t>Constant Time Gap</a:t>
+            </a:r>
+          </a:p>
+          <a:p>
+            <a:pPr lvl="1"/>
+            <a:r>
+              <a:rPr lang="en-US" sz="2200" dirty="0"/>
               <a:t>Resembles how normal human drivers drive (except on 110 in LA </a:t>
             </a:r>
             <a:r>
-              <a:rPr lang="en-US" dirty="0">
+              <a:rPr lang="en-US" sz="2200" dirty="0">
                 <a:sym typeface="Wingdings" panose="05000000000000000000" pitchFamily="2" charset="2"/>
               </a:rPr>
               <a:t>)</a:t>
             </a:r>
-            <a:endParaRPr lang="en-US" dirty="0"/>
-          </a:p>
-          <a:p>
-            <a:r>
-              <a:rPr lang="en-US" dirty="0"/>
+            <a:endParaRPr lang="en-US" sz="2200" dirty="0"/>
+          </a:p>
+          <a:p>
+            <a:pPr lvl="1"/>
+            <a:r>
+              <a:rPr lang="en-US" sz="2200" dirty="0"/>
               <a:t>Distance between vehicles is proportional to their speed + a small fixed offset distance</a:t>
             </a:r>
           </a:p>
           <a:p>
-            <a:r>
-              <a:rPr lang="en-US" dirty="0"/>
+            <a:pPr lvl="1"/>
+            <a:r>
+              <a:rPr lang="en-US" sz="2200" dirty="0"/>
               <a:t>E.g. doubling of speed causes doubling of gap between vehicles</a:t>
             </a:r>
           </a:p>
           <a:p>
-            <a:r>
-              <a:rPr lang="en-US" dirty="0"/>
+            <a:pPr lvl="1"/>
+            <a:r>
+              <a:rPr lang="en-US" sz="2200" dirty="0"/>
               <a:t>Time gap criterion described in terms of time between rear bumper of leading vehicle and front bumper of trailing vehicle pass a fixed point on </a:t>
             </a:r>
             <a:r>
-              <a:rPr lang="en-US" dirty="0" err="1"/>
+              <a:rPr lang="en-US" sz="2200" dirty="0" err="1"/>
               <a:t>te</a:t>
             </a:r>
             <a:r>
-              <a:rPr lang="en-US" dirty="0"/>
+              <a:rPr lang="en-US" sz="2200" dirty="0"/>
               <a:t> roadway</a:t>
             </a:r>
           </a:p>
           <a:p>
-            <a:r>
-              <a:rPr lang="en-US" dirty="0"/>
+            <a:pPr lvl="1"/>
+            <a:r>
+              <a:rPr lang="en-US" sz="2200" dirty="0"/>
               <a:t>Often described as headway or time headway</a:t>
             </a:r>
           </a:p>
           <a:p>
-            <a:r>
-              <a:rPr lang="en-US" dirty="0"/>
+            <a:pPr lvl="1"/>
+            <a:r>
+              <a:rPr lang="en-US" sz="2200" dirty="0"/>
               <a:t>Vehicles in CTG CACC are often called a “string of vehicles” rather than platoon</a:t>
             </a:r>
           </a:p>
@@ -9884,7 +9901,7 @@
           <a:p>
             <a:r>
               <a:rPr lang="en-US" dirty="0"/>
-              <a:t>Constant Time Gap</a:t>
+              <a:t>CACC uses different gap regulation strategies</a:t>
             </a:r>
           </a:p>
         </p:txBody>
@@ -9992,7 +10009,7 @@
           <a:p>
             <a:r>
               <a:rPr lang="en-US" dirty="0"/>
-              <a:t>CACC local coordination feature searches for additional trucks or existing strings to couple with</a:t>
+              <a:t>Local coordination: search for additional trucks or existing strings to couple with</a:t>
             </a:r>
           </a:p>
           <a:p>
@@ -10004,10 +10021,32 @@
           <a:p>
             <a:r>
               <a:rPr lang="en-US" dirty="0"/>
-              <a:t>Once joining driver selects a platoon to couple with, local coordination will confirm with platoon leader and instruct leader to slow down and joining truck to speed up</a:t>
-            </a:r>
-          </a:p>
-          <a:p>
+              <a:t>Once joining driver selects a platoon to couple with:</a:t>
+            </a:r>
+          </a:p>
+          <a:p>
+            <a:pPr lvl="1"/>
+            <a:r>
+              <a:rPr lang="en-US" dirty="0"/>
+              <a:t>local coordination confirms with platoon leader </a:t>
+            </a:r>
+          </a:p>
+          <a:p>
+            <a:pPr lvl="1"/>
+            <a:r>
+              <a:rPr lang="en-US" dirty="0"/>
+              <a:t>instructs leader to slow down </a:t>
+            </a:r>
+          </a:p>
+          <a:p>
+            <a:pPr lvl="1"/>
+            <a:r>
+              <a:rPr lang="en-US" dirty="0"/>
+              <a:t>instructs joining truck to speed up</a:t>
+            </a:r>
+          </a:p>
+          <a:p>
+            <a:pPr lvl="1"/>
             <a:r>
               <a:rPr lang="en-US" dirty="0"/>
               <a:t>Lead driver and joining driver are shown a target speed and lane in which to travel</a:t>
@@ -10052,7 +10091,7 @@
           <a:p>
             <a:r>
               <a:rPr lang="en-US" dirty="0"/>
-              <a:t>CACC String formation in trucks</a:t>
+              <a:t>CACC string formation in trucks</a:t>
             </a:r>
           </a:p>
         </p:txBody>
@@ -10595,8 +10634,8 @@
           <a:chExt cx="0" cy="0"/>
         </a:xfrm>
       </p:grpSpPr>
-      <mc:AlternateContent xmlns:mc="http://schemas.openxmlformats.org/markup-compatibility/2006">
-        <mc:Choice xmlns:a14="http://schemas.microsoft.com/office/drawing/2010/main" Requires="a14">
+      <mc:AlternateContent xmlns:mc="http://schemas.openxmlformats.org/markup-compatibility/2006" xmlns:a14="http://schemas.microsoft.com/office/drawing/2010/main">
+        <mc:Choice Requires="a14">
           <p:sp>
             <p:nvSpPr>
               <p:cNvPr id="2" name="Content Placeholder 1">
@@ -11297,7 +11336,7 @@
             </p:txBody>
           </p:sp>
         </mc:Choice>
-        <mc:Fallback>
+        <mc:Fallback xmlns="">
           <p:sp>
             <p:nvSpPr>
               <p:cNvPr id="2" name="Content Placeholder 1">
@@ -11425,8 +11464,8 @@
           <a:chExt cx="0" cy="0"/>
         </a:xfrm>
       </p:grpSpPr>
-      <mc:AlternateContent xmlns:mc="http://schemas.openxmlformats.org/markup-compatibility/2006" xmlns:a14="http://schemas.microsoft.com/office/drawing/2010/main">
-        <mc:Choice Requires="a14">
+      <mc:AlternateContent xmlns:mc="http://schemas.openxmlformats.org/markup-compatibility/2006">
+        <mc:Choice xmlns:a14="http://schemas.microsoft.com/office/drawing/2010/main" Requires="a14">
           <p:sp>
             <p:nvSpPr>
               <p:cNvPr id="2" name="Content Placeholder 1">
@@ -11661,7 +11700,7 @@
               <a:p>
                 <a:r>
                   <a:rPr lang="en-US" dirty="0"/>
-                  <a:t>Assume each car’s following algorithm is represented by a linear system, then this translates to the overall system having the L-infinity gain being less than 1</a:t>
+                  <a:t>Assume each car’s following algorithm is represented by a linear system, then this translates to the overall system having gain less than 1</a:t>
                 </a:r>
               </a:p>
               <a:p>
@@ -11673,7 +11712,7 @@
             </p:txBody>
           </p:sp>
         </mc:Choice>
-        <mc:Fallback xmlns="">
+        <mc:Fallback>
           <p:sp>
             <p:nvSpPr>
               <p:cNvPr id="2" name="Content Placeholder 1">
@@ -11694,7 +11733,7 @@
               <a:blipFill>
                 <a:blip r:embed="rId2"/>
                 <a:stretch>
-                  <a:fillRect l="-625" t="-2384" r="-938"/>
+                  <a:fillRect l="-625" t="-2384"/>
                 </a:stretch>
               </a:blipFill>
             </p:spPr>
@@ -13818,7 +13857,7 @@
 </file>
 
 <file path=ppt/slides/slide44.xml><?xml version="1.0" encoding="utf-8"?>
-<p:sld xmlns:a="http://schemas.openxmlformats.org/drawingml/2006/main" xmlns:r="http://schemas.openxmlformats.org/officeDocument/2006/relationships" xmlns:p="http://schemas.openxmlformats.org/presentationml/2006/main">
+<p:sld xmlns:a="http://schemas.openxmlformats.org/drawingml/2006/main" xmlns:r="http://schemas.openxmlformats.org/officeDocument/2006/relationships" xmlns:p="http://schemas.openxmlformats.org/presentationml/2006/main" show="0">
   <p:cSld>
     <p:spTree>
       <p:nvGrpSpPr>
@@ -13938,7 +13977,7 @@
 </file>
 
 <file path=ppt/slides/slide45.xml><?xml version="1.0" encoding="utf-8"?>
-<p:sld xmlns:a="http://schemas.openxmlformats.org/drawingml/2006/main" xmlns:r="http://schemas.openxmlformats.org/officeDocument/2006/relationships" xmlns:p="http://schemas.openxmlformats.org/presentationml/2006/main">
+<p:sld xmlns:a="http://schemas.openxmlformats.org/drawingml/2006/main" xmlns:r="http://schemas.openxmlformats.org/officeDocument/2006/relationships" xmlns:p="http://schemas.openxmlformats.org/presentationml/2006/main" show="0">
   <p:cSld>
     <p:spTree>
       <p:nvGrpSpPr>
@@ -14129,7 +14168,7 @@
 </file>
 
 <file path=ppt/slides/slide46.xml><?xml version="1.0" encoding="utf-8"?>
-<p:sld xmlns:a="http://schemas.openxmlformats.org/drawingml/2006/main" xmlns:r="http://schemas.openxmlformats.org/officeDocument/2006/relationships" xmlns:p="http://schemas.openxmlformats.org/presentationml/2006/main">
+<p:sld xmlns:a="http://schemas.openxmlformats.org/drawingml/2006/main" xmlns:r="http://schemas.openxmlformats.org/officeDocument/2006/relationships" xmlns:p="http://schemas.openxmlformats.org/presentationml/2006/main" show="0">
   <p:cSld>
     <p:spTree>
       <p:nvGrpSpPr>
@@ -14320,7 +14359,7 @@
 </file>
 
 <file path=ppt/slides/slide47.xml><?xml version="1.0" encoding="utf-8"?>
-<p:sld xmlns:a="http://schemas.openxmlformats.org/drawingml/2006/main" xmlns:r="http://schemas.openxmlformats.org/officeDocument/2006/relationships" xmlns:p="http://schemas.openxmlformats.org/presentationml/2006/main">
+<p:sld xmlns:a="http://schemas.openxmlformats.org/drawingml/2006/main" xmlns:r="http://schemas.openxmlformats.org/officeDocument/2006/relationships" xmlns:p="http://schemas.openxmlformats.org/presentationml/2006/main" show="0">
   <p:cSld>
     <p:spTree>
       <p:nvGrpSpPr>
@@ -14485,7 +14524,7 @@
 </file>
 
 <file path=ppt/slides/slide48.xml><?xml version="1.0" encoding="utf-8"?>
-<p:sld xmlns:a="http://schemas.openxmlformats.org/drawingml/2006/main" xmlns:r="http://schemas.openxmlformats.org/officeDocument/2006/relationships" xmlns:p="http://schemas.openxmlformats.org/presentationml/2006/main">
+<p:sld xmlns:a="http://schemas.openxmlformats.org/drawingml/2006/main" xmlns:r="http://schemas.openxmlformats.org/officeDocument/2006/relationships" xmlns:p="http://schemas.openxmlformats.org/presentationml/2006/main" show="0">
   <p:cSld>
     <p:spTree>
       <p:nvGrpSpPr>
@@ -14934,7 +14973,7 @@
 </file>
 
 <file path=ppt/slides/slide49.xml><?xml version="1.0" encoding="utf-8"?>
-<p:sld xmlns:a="http://schemas.openxmlformats.org/drawingml/2006/main" xmlns:r="http://schemas.openxmlformats.org/officeDocument/2006/relationships" xmlns:p="http://schemas.openxmlformats.org/presentationml/2006/main">
+<p:sld xmlns:a="http://schemas.openxmlformats.org/drawingml/2006/main" xmlns:r="http://schemas.openxmlformats.org/officeDocument/2006/relationships" xmlns:p="http://schemas.openxmlformats.org/presentationml/2006/main" show="0">
   <p:cSld>
     <p:spTree>
       <p:nvGrpSpPr>
@@ -15194,7 +15233,7 @@
 </file>
 
 <file path=ppt/slides/slide50.xml><?xml version="1.0" encoding="utf-8"?>
-<p:sld xmlns:a="http://schemas.openxmlformats.org/drawingml/2006/main" xmlns:r="http://schemas.openxmlformats.org/officeDocument/2006/relationships" xmlns:p="http://schemas.openxmlformats.org/presentationml/2006/main">
+<p:sld xmlns:a="http://schemas.openxmlformats.org/drawingml/2006/main" xmlns:r="http://schemas.openxmlformats.org/officeDocument/2006/relationships" xmlns:p="http://schemas.openxmlformats.org/presentationml/2006/main" show="0">
   <p:cSld>
     <p:spTree>
       <p:nvGrpSpPr>
@@ -15337,7 +15376,7 @@
 </file>
 
 <file path=ppt/slides/slide51.xml><?xml version="1.0" encoding="utf-8"?>
-<p:sld xmlns:a="http://schemas.openxmlformats.org/drawingml/2006/main" xmlns:r="http://schemas.openxmlformats.org/officeDocument/2006/relationships" xmlns:p="http://schemas.openxmlformats.org/presentationml/2006/main">
+<p:sld xmlns:a="http://schemas.openxmlformats.org/drawingml/2006/main" xmlns:r="http://schemas.openxmlformats.org/officeDocument/2006/relationships" xmlns:p="http://schemas.openxmlformats.org/presentationml/2006/main" show="0">
   <p:cSld>
     <p:spTree>
       <p:nvGrpSpPr>
@@ -15480,7 +15519,7 @@
 </file>
 
 <file path=ppt/slides/slide52.xml><?xml version="1.0" encoding="utf-8"?>
-<p:sld xmlns:a="http://schemas.openxmlformats.org/drawingml/2006/main" xmlns:r="http://schemas.openxmlformats.org/officeDocument/2006/relationships" xmlns:p="http://schemas.openxmlformats.org/presentationml/2006/main">
+<p:sld xmlns:a="http://schemas.openxmlformats.org/drawingml/2006/main" xmlns:r="http://schemas.openxmlformats.org/officeDocument/2006/relationships" xmlns:p="http://schemas.openxmlformats.org/presentationml/2006/main" show="0">
   <p:cSld>
     <p:spTree>
       <p:nvGrpSpPr>
@@ -15617,7 +15656,7 @@
 </file>
 
 <file path=ppt/slides/slide53.xml><?xml version="1.0" encoding="utf-8"?>
-<p:sld xmlns:a="http://schemas.openxmlformats.org/drawingml/2006/main" xmlns:r="http://schemas.openxmlformats.org/officeDocument/2006/relationships" xmlns:p="http://schemas.openxmlformats.org/presentationml/2006/main">
+<p:sld xmlns:a="http://schemas.openxmlformats.org/drawingml/2006/main" xmlns:r="http://schemas.openxmlformats.org/officeDocument/2006/relationships" xmlns:p="http://schemas.openxmlformats.org/presentationml/2006/main" show="0">
   <p:cSld>
     <p:spTree>
       <p:nvGrpSpPr>
@@ -15804,7 +15843,7 @@
 </file>
 
 <file path=ppt/slides/slide54.xml><?xml version="1.0" encoding="utf-8"?>
-<p:sld xmlns:a="http://schemas.openxmlformats.org/drawingml/2006/main" xmlns:r="http://schemas.openxmlformats.org/officeDocument/2006/relationships" xmlns:p="http://schemas.openxmlformats.org/presentationml/2006/main">
+<p:sld xmlns:a="http://schemas.openxmlformats.org/drawingml/2006/main" xmlns:r="http://schemas.openxmlformats.org/officeDocument/2006/relationships" xmlns:p="http://schemas.openxmlformats.org/presentationml/2006/main" show="0">
   <p:cSld>
     <p:spTree>
       <p:nvGrpSpPr>
@@ -16257,7 +16296,7 @@
 </file>
 
 <file path=ppt/slides/slide55.xml><?xml version="1.0" encoding="utf-8"?>
-<p:sld xmlns:a="http://schemas.openxmlformats.org/drawingml/2006/main" xmlns:r="http://schemas.openxmlformats.org/officeDocument/2006/relationships" xmlns:p="http://schemas.openxmlformats.org/presentationml/2006/main">
+<p:sld xmlns:a="http://schemas.openxmlformats.org/drawingml/2006/main" xmlns:r="http://schemas.openxmlformats.org/officeDocument/2006/relationships" xmlns:p="http://schemas.openxmlformats.org/presentationml/2006/main" show="0">
   <p:cSld>
     <p:spTree>
       <p:nvGrpSpPr>
@@ -16407,7 +16446,7 @@
 </file>
 
 <file path=ppt/slides/slide56.xml><?xml version="1.0" encoding="utf-8"?>
-<p:sld xmlns:a="http://schemas.openxmlformats.org/drawingml/2006/main" xmlns:r="http://schemas.openxmlformats.org/officeDocument/2006/relationships" xmlns:p="http://schemas.openxmlformats.org/presentationml/2006/main">
+<p:sld xmlns:a="http://schemas.openxmlformats.org/drawingml/2006/main" xmlns:r="http://schemas.openxmlformats.org/officeDocument/2006/relationships" xmlns:p="http://schemas.openxmlformats.org/presentationml/2006/main" show="0">
   <p:cSld>
     <p:spTree>
       <p:nvGrpSpPr>
@@ -16423,8 +16462,8 @@
           <a:chExt cx="0" cy="0"/>
         </a:xfrm>
       </p:grpSpPr>
-      <mc:AlternateContent xmlns:mc="http://schemas.openxmlformats.org/markup-compatibility/2006">
-        <mc:Choice xmlns:a14="http://schemas.microsoft.com/office/drawing/2010/main" Requires="a14">
+      <mc:AlternateContent xmlns:mc="http://schemas.openxmlformats.org/markup-compatibility/2006" xmlns:a14="http://schemas.microsoft.com/office/drawing/2010/main">
+        <mc:Choice Requires="a14">
           <p:sp>
             <p:nvSpPr>
               <p:cNvPr id="2" name="Content Placeholder 1">
@@ -17107,7 +17146,7 @@
             </p:txBody>
           </p:sp>
         </mc:Choice>
-        <mc:Fallback>
+        <mc:Fallback xmlns="">
           <p:sp>
             <p:nvSpPr>
               <p:cNvPr id="2" name="Content Placeholder 1">
@@ -17219,7 +17258,7 @@
 </file>
 
 <file path=ppt/slides/slide57.xml><?xml version="1.0" encoding="utf-8"?>
-<p:sld xmlns:a="http://schemas.openxmlformats.org/drawingml/2006/main" xmlns:r="http://schemas.openxmlformats.org/officeDocument/2006/relationships" xmlns:p="http://schemas.openxmlformats.org/presentationml/2006/main">
+<p:sld xmlns:a="http://schemas.openxmlformats.org/drawingml/2006/main" xmlns:r="http://schemas.openxmlformats.org/officeDocument/2006/relationships" xmlns:p="http://schemas.openxmlformats.org/presentationml/2006/main" show="0">
   <p:cSld>
     <p:spTree>
       <p:nvGrpSpPr>
@@ -17365,7 +17404,7 @@
 </file>
 
 <file path=ppt/slides/slide58.xml><?xml version="1.0" encoding="utf-8"?>
-<p:sld xmlns:a="http://schemas.openxmlformats.org/drawingml/2006/main" xmlns:r="http://schemas.openxmlformats.org/officeDocument/2006/relationships" xmlns:p="http://schemas.openxmlformats.org/presentationml/2006/main">
+<p:sld xmlns:a="http://schemas.openxmlformats.org/drawingml/2006/main" xmlns:r="http://schemas.openxmlformats.org/officeDocument/2006/relationships" xmlns:p="http://schemas.openxmlformats.org/presentationml/2006/main" show="0">
   <p:cSld>
     <p:spTree>
       <p:nvGrpSpPr>
@@ -17800,7 +17839,7 @@
 </file>
 
 <file path=ppt/slides/slide59.xml><?xml version="1.0" encoding="utf-8"?>
-<p:sld xmlns:a="http://schemas.openxmlformats.org/drawingml/2006/main" xmlns:r="http://schemas.openxmlformats.org/officeDocument/2006/relationships" xmlns:p="http://schemas.openxmlformats.org/presentationml/2006/main">
+<p:sld xmlns:a="http://schemas.openxmlformats.org/drawingml/2006/main" xmlns:r="http://schemas.openxmlformats.org/officeDocument/2006/relationships" xmlns:p="http://schemas.openxmlformats.org/presentationml/2006/main" show="0">
   <p:cSld>
     <p:spTree>
       <p:nvGrpSpPr>
@@ -18315,8 +18354,8 @@
           <a:chExt cx="0" cy="0"/>
         </a:xfrm>
       </p:grpSpPr>
-      <mc:AlternateContent xmlns:mc="http://schemas.openxmlformats.org/markup-compatibility/2006">
-        <mc:Choice xmlns:a14="http://schemas.microsoft.com/office/drawing/2010/main" Requires="a14">
+      <mc:AlternateContent xmlns:mc="http://schemas.openxmlformats.org/markup-compatibility/2006" xmlns:a14="http://schemas.microsoft.com/office/drawing/2010/main">
+        <mc:Choice Requires="a14">
           <p:sp>
             <p:nvSpPr>
               <p:cNvPr id="2" name="Content Placeholder 1">
@@ -18476,7 +18515,7 @@
             </p:txBody>
           </p:sp>
         </mc:Choice>
-        <mc:Fallback>
+        <mc:Fallback xmlns="">
           <p:sp>
             <p:nvSpPr>
               <p:cNvPr id="2" name="Content Placeholder 1">
@@ -18626,7 +18665,7 @@
 </file>
 
 <file path=ppt/slides/slide60.xml><?xml version="1.0" encoding="utf-8"?>
-<p:sld xmlns:a="http://schemas.openxmlformats.org/drawingml/2006/main" xmlns:r="http://schemas.openxmlformats.org/officeDocument/2006/relationships" xmlns:p="http://schemas.openxmlformats.org/presentationml/2006/main">
+<p:sld xmlns:a="http://schemas.openxmlformats.org/drawingml/2006/main" xmlns:r="http://schemas.openxmlformats.org/officeDocument/2006/relationships" xmlns:p="http://schemas.openxmlformats.org/presentationml/2006/main" show="0">
   <p:cSld>
     <p:spTree>
       <p:nvGrpSpPr>
@@ -19306,7 +19345,7 @@
 </file>
 
 <file path=ppt/slides/slide61.xml><?xml version="1.0" encoding="utf-8"?>
-<p:sld xmlns:a="http://schemas.openxmlformats.org/drawingml/2006/main" xmlns:r="http://schemas.openxmlformats.org/officeDocument/2006/relationships" xmlns:p="http://schemas.openxmlformats.org/presentationml/2006/main">
+<p:sld xmlns:a="http://schemas.openxmlformats.org/drawingml/2006/main" xmlns:r="http://schemas.openxmlformats.org/officeDocument/2006/relationships" xmlns:p="http://schemas.openxmlformats.org/presentationml/2006/main" show="0">
   <p:cSld>
     <p:spTree>
       <p:nvGrpSpPr>
@@ -19434,7 +19473,7 @@
 </file>
 
 <file path=ppt/slides/slide62.xml><?xml version="1.0" encoding="utf-8"?>
-<p:sld xmlns:a="http://schemas.openxmlformats.org/drawingml/2006/main" xmlns:r="http://schemas.openxmlformats.org/officeDocument/2006/relationships" xmlns:p="http://schemas.openxmlformats.org/presentationml/2006/main">
+<p:sld xmlns:a="http://schemas.openxmlformats.org/drawingml/2006/main" xmlns:r="http://schemas.openxmlformats.org/officeDocument/2006/relationships" xmlns:p="http://schemas.openxmlformats.org/presentationml/2006/main" show="0">
   <p:cSld>
     <p:spTree>
       <p:nvGrpSpPr>
@@ -19599,7 +19638,7 @@
 </file>
 
 <file path=ppt/slides/slide63.xml><?xml version="1.0" encoding="utf-8"?>
-<p:sld xmlns:a="http://schemas.openxmlformats.org/drawingml/2006/main" xmlns:r="http://schemas.openxmlformats.org/officeDocument/2006/relationships" xmlns:p="http://schemas.openxmlformats.org/presentationml/2006/main">
+<p:sld xmlns:a="http://schemas.openxmlformats.org/drawingml/2006/main" xmlns:r="http://schemas.openxmlformats.org/officeDocument/2006/relationships" xmlns:p="http://schemas.openxmlformats.org/presentationml/2006/main" show="0">
   <p:cSld>
     <p:spTree>
       <p:nvGrpSpPr>
@@ -19925,7 +19964,7 @@
 </file>
 
 <file path=ppt/slides/slide64.xml><?xml version="1.0" encoding="utf-8"?>
-<p:sld xmlns:a="http://schemas.openxmlformats.org/drawingml/2006/main" xmlns:r="http://schemas.openxmlformats.org/officeDocument/2006/relationships" xmlns:p="http://schemas.openxmlformats.org/presentationml/2006/main">
+<p:sld xmlns:a="http://schemas.openxmlformats.org/drawingml/2006/main" xmlns:r="http://schemas.openxmlformats.org/officeDocument/2006/relationships" xmlns:p="http://schemas.openxmlformats.org/presentationml/2006/main" show="0">
   <p:cSld>
     <p:spTree>
       <p:nvGrpSpPr>
@@ -20070,7 +20109,7 @@
 </file>
 
 <file path=ppt/slides/slide65.xml><?xml version="1.0" encoding="utf-8"?>
-<p:sld xmlns:a="http://schemas.openxmlformats.org/drawingml/2006/main" xmlns:r="http://schemas.openxmlformats.org/officeDocument/2006/relationships" xmlns:p="http://schemas.openxmlformats.org/presentationml/2006/main">
+<p:sld xmlns:a="http://schemas.openxmlformats.org/drawingml/2006/main" xmlns:r="http://schemas.openxmlformats.org/officeDocument/2006/relationships" xmlns:p="http://schemas.openxmlformats.org/presentationml/2006/main" show="0">
   <p:cSld>
     <p:spTree>
       <p:nvGrpSpPr>
@@ -25545,7 +25584,7 @@
 </file>
 
 <file path=ppt/slides/slide66.xml><?xml version="1.0" encoding="utf-8"?>
-<p:sld xmlns:a="http://schemas.openxmlformats.org/drawingml/2006/main" xmlns:r="http://schemas.openxmlformats.org/officeDocument/2006/relationships" xmlns:p="http://schemas.openxmlformats.org/presentationml/2006/main">
+<p:sld xmlns:a="http://schemas.openxmlformats.org/drawingml/2006/main" xmlns:r="http://schemas.openxmlformats.org/officeDocument/2006/relationships" xmlns:p="http://schemas.openxmlformats.org/presentationml/2006/main" show="0">
   <p:cSld>
     <p:spTree>
       <p:nvGrpSpPr>
@@ -26431,7 +26470,7 @@
 </file>
 
 <file path=ppt/slides/slide67.xml><?xml version="1.0" encoding="utf-8"?>
-<p:sld xmlns:a="http://schemas.openxmlformats.org/drawingml/2006/main" xmlns:r="http://schemas.openxmlformats.org/officeDocument/2006/relationships" xmlns:p="http://schemas.openxmlformats.org/presentationml/2006/main">
+<p:sld xmlns:a="http://schemas.openxmlformats.org/drawingml/2006/main" xmlns:r="http://schemas.openxmlformats.org/officeDocument/2006/relationships" xmlns:p="http://schemas.openxmlformats.org/presentationml/2006/main" show="0">
   <p:cSld>
     <p:spTree>
       <p:nvGrpSpPr>
@@ -26593,7 +26632,7 @@
 </file>
 
 <file path=ppt/slides/slide68.xml><?xml version="1.0" encoding="utf-8"?>
-<p:sld xmlns:a="http://schemas.openxmlformats.org/drawingml/2006/main" xmlns:r="http://schemas.openxmlformats.org/officeDocument/2006/relationships" xmlns:p="http://schemas.openxmlformats.org/presentationml/2006/main">
+<p:sld xmlns:a="http://schemas.openxmlformats.org/drawingml/2006/main" xmlns:r="http://schemas.openxmlformats.org/officeDocument/2006/relationships" xmlns:p="http://schemas.openxmlformats.org/presentationml/2006/main" show="0">
   <p:cSld>
     <p:spTree>
       <p:nvGrpSpPr>
@@ -26960,7 +26999,7 @@
                             <a:rPr lang="en-US" b="0" i="1" smtClean="0">
                               <a:latin typeface="Cambria Math" panose="02040503050406030204" pitchFamily="18" charset="0"/>
                             </a:rPr>
-                            <m:t>𝑥</m:t>
+                            <m:t>𝑣</m:t>
                           </m:r>
                         </m:e>
                         <m:sub>
@@ -27086,7 +27125,7 @@
                             <a:rPr lang="en-US" b="0" i="1" smtClean="0">
                               <a:latin typeface="Cambria Math" panose="02040503050406030204" pitchFamily="18" charset="0"/>
                             </a:rPr>
-                            <m:t>𝑥</m:t>
+                            <m:t>𝑣</m:t>
                           </m:r>
                         </m:e>
                         <m:sub>
@@ -27212,7 +27251,7 @@
                             <a:rPr lang="en-US" b="0" i="1" smtClean="0">
                               <a:latin typeface="Cambria Math" panose="02040503050406030204" pitchFamily="18" charset="0"/>
                             </a:rPr>
-                            <m:t>𝑥</m:t>
+                            <m:t>𝑣</m:t>
                           </m:r>
                         </m:e>
                         <m:sub>
@@ -27338,7 +27377,7 @@
                             <a:rPr lang="en-US" b="0" i="1" smtClean="0">
                               <a:latin typeface="Cambria Math" panose="02040503050406030204" pitchFamily="18" charset="0"/>
                             </a:rPr>
-                            <m:t>𝑥</m:t>
+                            <m:t>𝑣</m:t>
                           </m:r>
                         </m:e>
                         <m:sub>
@@ -27464,7 +27503,7 @@
                             <a:rPr lang="en-US" b="0" i="1" smtClean="0">
                               <a:latin typeface="Cambria Math" panose="02040503050406030204" pitchFamily="18" charset="0"/>
                             </a:rPr>
-                            <m:t>𝑥</m:t>
+                            <m:t>𝑣</m:t>
                           </m:r>
                         </m:e>
                         <m:sub>
@@ -27891,7 +27930,7 @@
                             <a:rPr lang="en-US" b="0" i="1" smtClean="0">
                               <a:latin typeface="Cambria Math" panose="02040503050406030204" pitchFamily="18" charset="0"/>
                             </a:rPr>
-                            <m:t>𝑥</m:t>
+                            <m:t>𝑣</m:t>
                           </m:r>
                         </m:e>
                         <m:sub>
@@ -27999,8 +28038,8 @@
           </a:fontRef>
         </p:style>
       </p:cxnSp>
-      <mc:AlternateContent xmlns:mc="http://schemas.openxmlformats.org/markup-compatibility/2006">
-        <mc:Choice xmlns:a14="http://schemas.microsoft.com/office/drawing/2010/main" Requires="a14">
+      <mc:AlternateContent xmlns:mc="http://schemas.openxmlformats.org/markup-compatibility/2006" xmlns:a14="http://schemas.microsoft.com/office/drawing/2010/main">
+        <mc:Choice Requires="a14">
           <p:sp>
             <p:nvSpPr>
               <p:cNvPr id="46" name="Content Placeholder 1">
@@ -29486,7 +29525,7 @@
             </p:txBody>
           </p:sp>
         </mc:Choice>
-        <mc:Fallback>
+        <mc:Fallback xmlns="">
           <p:sp>
             <p:nvSpPr>
               <p:cNvPr id="46" name="Content Placeholder 1">
@@ -29752,8 +29791,8 @@
           <a:chExt cx="0" cy="0"/>
         </a:xfrm>
       </p:grpSpPr>
-      <mc:AlternateContent xmlns:mc="http://schemas.openxmlformats.org/markup-compatibility/2006">
-        <mc:Choice xmlns:a14="http://schemas.microsoft.com/office/drawing/2010/main" Requires="a14">
+      <mc:AlternateContent xmlns:mc="http://schemas.openxmlformats.org/markup-compatibility/2006" xmlns:a14="http://schemas.microsoft.com/office/drawing/2010/main">
+        <mc:Choice Requires="a14">
           <p:sp>
             <p:nvSpPr>
               <p:cNvPr id="2" name="Content Placeholder 1">
@@ -30110,7 +30149,7 @@
             </p:txBody>
           </p:sp>
         </mc:Choice>
-        <mc:Fallback>
+        <mc:Fallback xmlns="">
           <p:sp>
             <p:nvSpPr>
               <p:cNvPr id="2" name="Content Placeholder 1">
@@ -30208,8 +30247,8 @@
           <a:chExt cx="0" cy="0"/>
         </a:xfrm>
       </p:grpSpPr>
-      <mc:AlternateContent xmlns:mc="http://schemas.openxmlformats.org/markup-compatibility/2006">
-        <mc:Choice xmlns:a14="http://schemas.microsoft.com/office/drawing/2010/main" Requires="a14">
+      <mc:AlternateContent xmlns:mc="http://schemas.openxmlformats.org/markup-compatibility/2006" xmlns:a14="http://schemas.microsoft.com/office/drawing/2010/main">
+        <mc:Choice Requires="a14">
           <p:sp>
             <p:nvSpPr>
               <p:cNvPr id="2" name="Content Placeholder 1">
@@ -30803,7 +30842,7 @@
             </p:txBody>
           </p:sp>
         </mc:Choice>
-        <mc:Fallback>
+        <mc:Fallback xmlns="">
           <p:sp>
             <p:nvSpPr>
               <p:cNvPr id="2" name="Content Placeholder 1">

--- a/teaching/cs513slides/lecture13-communication-and-security.pptx
+++ b/teaching/cs513slides/lecture13-communication-and-security.pptx
@@ -326,7 +326,7 @@
           <a:p>
             <a:fld id="{C6FDED16-27A6-4B02-8990-5091F570602B}" type="datetimeFigureOut">
               <a:rPr lang="en-US" smtClean="0"/>
-              <a:t>11/29/2021</a:t>
+              <a:t>11/28/2022</a:t>
             </a:fld>
             <a:endParaRPr lang="en-US"/>
           </a:p>
@@ -524,7 +524,7 @@
           <a:p>
             <a:fld id="{C6FDED16-27A6-4B02-8990-5091F570602B}" type="datetimeFigureOut">
               <a:rPr lang="en-US" smtClean="0"/>
-              <a:t>11/29/2021</a:t>
+              <a:t>11/28/2022</a:t>
             </a:fld>
             <a:endParaRPr lang="en-US"/>
           </a:p>
@@ -732,7 +732,7 @@
           <a:p>
             <a:fld id="{C6FDED16-27A6-4B02-8990-5091F570602B}" type="datetimeFigureOut">
               <a:rPr lang="en-US" smtClean="0"/>
-              <a:t>11/29/2021</a:t>
+              <a:t>11/28/2022</a:t>
             </a:fld>
             <a:endParaRPr lang="en-US"/>
           </a:p>
@@ -840,8 +840,8 @@
         </p:nvSpPr>
         <p:spPr>
           <a:xfrm>
-            <a:off x="166681" y="1332703"/>
-            <a:ext cx="11699087" cy="4351338"/>
+            <a:off x="157803" y="976544"/>
+            <a:ext cx="11699087" cy="5007006"/>
           </a:xfrm>
           <a:prstGeom prst="rect">
             <a:avLst/>
@@ -944,7 +944,7 @@
           <p:nvPr userDrawn="1"/>
         </p:nvPicPr>
         <mc:AlternateContent xmlns:mc="http://schemas.openxmlformats.org/markup-compatibility/2006">
-          <mc:Choice xmlns="" xmlns:mv="urn:schemas-microsoft-com:mac:vml" xmlns:ma="http://schemas.microsoft.com/office/mac/drawingml/2008/main" Requires="ma">
+          <mc:Choice xmlns:ma="http://schemas.microsoft.com/office/mac/drawingml/2008/main" xmlns:mv="urn:schemas-microsoft-com:mac:vml" xmlns="" Requires="ma">
             <p:blipFill>
               <a:blip r:embed="rId3"/>
               <a:stretch>
@@ -963,7 +963,7 @@
         </mc:AlternateContent>
         <p:spPr>
           <a:xfrm>
-            <a:off x="11194348" y="464476"/>
+            <a:off x="11194348" y="71549"/>
             <a:ext cx="997652" cy="748239"/>
           </a:xfrm>
           <a:prstGeom prst="rect">
@@ -971,152 +971,6 @@
           </a:prstGeom>
         </p:spPr>
       </p:pic>
-      <p:sp>
-        <p:nvSpPr>
-          <p:cNvPr id="13" name="Rectangle 12">
-            <a:extLst>
-              <a:ext uri="{FF2B5EF4-FFF2-40B4-BE49-F238E27FC236}">
-                <a16:creationId xmlns:a16="http://schemas.microsoft.com/office/drawing/2014/main" id="{26381F13-A4A4-444E-9C5F-0C7501D9BF81}"/>
-              </a:ext>
-            </a:extLst>
-          </p:cNvPr>
-          <p:cNvSpPr/>
-          <p:nvPr userDrawn="1"/>
-        </p:nvSpPr>
-        <p:spPr>
-          <a:xfrm>
-            <a:off x="0" y="2713"/>
-            <a:ext cx="12192000" cy="302605"/>
-          </a:xfrm>
-          <a:prstGeom prst="rect">
-            <a:avLst/>
-          </a:prstGeom>
-          <a:solidFill>
-            <a:srgbClr val="990000"/>
-          </a:solidFill>
-          <a:ln w="9525" cap="flat" cmpd="sng" algn="ctr">
-            <a:noFill/>
-            <a:prstDash val="solid"/>
-          </a:ln>
-          <a:effectLst>
-            <a:outerShdw blurRad="40000" dist="23000" dir="5400000" rotWithShape="0">
-              <a:srgbClr val="000000">
-                <a:alpha val="35000"/>
-              </a:srgbClr>
-            </a:outerShdw>
-          </a:effectLst>
-        </p:spPr>
-        <p:txBody>
-          <a:bodyPr rtlCol="0" anchor="ctr"/>
-          <a:lstStyle/>
-          <a:p>
-            <a:pPr marL="0" marR="0" lvl="0" indent="0" algn="ctr" defTabSz="457200" eaLnBrk="1" fontAlgn="auto" latinLnBrk="0" hangingPunct="1">
-              <a:lnSpc>
-                <a:spcPct val="100000"/>
-              </a:lnSpc>
-              <a:spcBef>
-                <a:spcPts val="0"/>
-              </a:spcBef>
-              <a:spcAft>
-                <a:spcPts val="0"/>
-              </a:spcAft>
-              <a:buClrTx/>
-              <a:buSzTx/>
-              <a:buFontTx/>
-              <a:buNone/>
-              <a:tabLst/>
-              <a:defRPr/>
-            </a:pPr>
-            <a:endParaRPr kumimoji="0" lang="en-US" sz="4000" b="0" i="0" u="none" strike="noStrike" kern="0" cap="none" spc="0" normalizeH="0" baseline="0" noProof="0" dirty="0">
-              <a:ln>
-                <a:noFill/>
-              </a:ln>
-              <a:solidFill>
-                <a:prstClr val="white"/>
-              </a:solidFill>
-              <a:effectLst/>
-              <a:uLnTx/>
-              <a:uFillTx/>
-              <a:latin typeface="Times New Roman" panose="02020603050405020304" pitchFamily="18" charset="0"/>
-              <a:ea typeface="+mn-ea"/>
-              <a:cs typeface="Times New Roman" panose="02020603050405020304" pitchFamily="18" charset="0"/>
-            </a:endParaRPr>
-          </a:p>
-        </p:txBody>
-      </p:sp>
-      <p:sp>
-        <p:nvSpPr>
-          <p:cNvPr id="14" name="Rectangle 13">
-            <a:extLst>
-              <a:ext uri="{FF2B5EF4-FFF2-40B4-BE49-F238E27FC236}">
-                <a16:creationId xmlns:a16="http://schemas.microsoft.com/office/drawing/2014/main" id="{3477AB79-4F9F-47F3-934B-DC6AA693504D}"/>
-              </a:ext>
-            </a:extLst>
-          </p:cNvPr>
-          <p:cNvSpPr/>
-          <p:nvPr userDrawn="1"/>
-        </p:nvSpPr>
-        <p:spPr>
-          <a:xfrm flipV="1">
-            <a:off x="9522" y="294440"/>
-            <a:ext cx="12192000" cy="50800"/>
-          </a:xfrm>
-          <a:prstGeom prst="rect">
-            <a:avLst/>
-          </a:prstGeom>
-          <a:solidFill>
-            <a:srgbClr val="FFCC00"/>
-          </a:solidFill>
-          <a:ln w="9525" cap="flat" cmpd="sng" algn="ctr">
-            <a:noFill/>
-            <a:prstDash val="solid"/>
-          </a:ln>
-          <a:effectLst>
-            <a:outerShdw blurRad="40000" dist="20000" dir="5400000" rotWithShape="0">
-              <a:srgbClr val="000000">
-                <a:alpha val="38000"/>
-              </a:srgbClr>
-            </a:outerShdw>
-          </a:effectLst>
-        </p:spPr>
-        <p:txBody>
-          <a:bodyPr rtlCol="0" anchor="ctr"/>
-          <a:lstStyle/>
-          <a:p>
-            <a:pPr marL="0" marR="0" lvl="0" indent="0" algn="ctr" defTabSz="457200" eaLnBrk="1" fontAlgn="auto" latinLnBrk="0" hangingPunct="1">
-              <a:lnSpc>
-                <a:spcPct val="100000"/>
-              </a:lnSpc>
-              <a:spcBef>
-                <a:spcPts val="0"/>
-              </a:spcBef>
-              <a:spcAft>
-                <a:spcPts val="0"/>
-              </a:spcAft>
-              <a:buClrTx/>
-              <a:buSzTx/>
-              <a:buFontTx/>
-              <a:buNone/>
-              <a:tabLst/>
-              <a:defRPr/>
-            </a:pPr>
-            <a:endParaRPr kumimoji="0" lang="en-US" sz="1800" b="0" i="0" u="none" strike="noStrike" kern="0" cap="none" spc="0" normalizeH="0" baseline="0" noProof="0" dirty="0">
-              <a:ln>
-                <a:noFill/>
-              </a:ln>
-              <a:solidFill>
-                <a:srgbClr val="990000"/>
-              </a:solidFill>
-              <a:effectLst/>
-              <a:uLnTx/>
-              <a:uFillTx/>
-              <a:latin typeface="Calibri" panose="020F0502020204030204"/>
-              <a:ea typeface="+mn-ea"/>
-              <a:cs typeface="+mn-cs"/>
-            </a:endParaRPr>
-          </a:p>
-        </p:txBody>
-      </p:sp>
       <p:sp>
         <p:nvSpPr>
           <p:cNvPr id="17" name="Title 16">
@@ -1135,7 +989,7 @@
         </p:nvSpPr>
         <p:spPr>
           <a:xfrm>
-            <a:off x="166680" y="430374"/>
+            <a:off x="166681" y="99830"/>
             <a:ext cx="10920419" cy="778828"/>
           </a:xfrm>
           <a:prstGeom prst="rect">
@@ -1209,79 +1063,6 @@
       </p:sp>
       <p:sp>
         <p:nvSpPr>
-          <p:cNvPr id="5" name="Rectangle 4">
-            <a:extLst>
-              <a:ext uri="{FF2B5EF4-FFF2-40B4-BE49-F238E27FC236}">
-                <a16:creationId xmlns:a16="http://schemas.microsoft.com/office/drawing/2014/main" id="{4700B486-B3E0-4E61-B1F7-89AF1462692A}"/>
-              </a:ext>
-            </a:extLst>
-          </p:cNvPr>
-          <p:cNvSpPr/>
-          <p:nvPr userDrawn="1"/>
-        </p:nvSpPr>
-        <p:spPr>
-          <a:xfrm>
-            <a:off x="0" y="6223000"/>
-            <a:ext cx="12192000" cy="635000"/>
-          </a:xfrm>
-          <a:prstGeom prst="rect">
-            <a:avLst/>
-          </a:prstGeom>
-          <a:solidFill>
-            <a:srgbClr val="990000"/>
-          </a:solidFill>
-          <a:ln w="9525" cap="flat" cmpd="sng" algn="ctr">
-            <a:noFill/>
-            <a:prstDash val="solid"/>
-          </a:ln>
-          <a:effectLst>
-            <a:outerShdw blurRad="40000" dist="23000" dir="5400000" rotWithShape="0">
-              <a:srgbClr val="000000">
-                <a:alpha val="35000"/>
-              </a:srgbClr>
-            </a:outerShdw>
-          </a:effectLst>
-        </p:spPr>
-        <p:txBody>
-          <a:bodyPr rtlCol="0" anchor="ctr"/>
-          <a:lstStyle/>
-          <a:p>
-            <a:pPr marL="0" marR="0" lvl="0" indent="0" algn="ctr" defTabSz="457200" eaLnBrk="1" fontAlgn="auto" latinLnBrk="0" hangingPunct="1">
-              <a:lnSpc>
-                <a:spcPct val="100000"/>
-              </a:lnSpc>
-              <a:spcBef>
-                <a:spcPts val="0"/>
-              </a:spcBef>
-              <a:spcAft>
-                <a:spcPts val="0"/>
-              </a:spcAft>
-              <a:buClrTx/>
-              <a:buSzTx/>
-              <a:buFontTx/>
-              <a:buNone/>
-              <a:tabLst/>
-              <a:defRPr/>
-            </a:pPr>
-            <a:endParaRPr kumimoji="0" lang="en-US" sz="4000" b="0" i="0" u="none" strike="noStrike" kern="0" cap="none" spc="0" normalizeH="0" baseline="0" noProof="0" dirty="0">
-              <a:ln>
-                <a:noFill/>
-              </a:ln>
-              <a:solidFill>
-                <a:srgbClr val="FFC000"/>
-              </a:solidFill>
-              <a:effectLst/>
-              <a:uLnTx/>
-              <a:uFillTx/>
-              <a:latin typeface="Times New Roman" panose="02020603050405020304" pitchFamily="18" charset="0"/>
-              <a:ea typeface="+mn-ea"/>
-              <a:cs typeface="Times New Roman" panose="02020603050405020304" pitchFamily="18" charset="0"/>
-            </a:endParaRPr>
-          </a:p>
-        </p:txBody>
-      </p:sp>
-      <p:sp>
-        <p:nvSpPr>
           <p:cNvPr id="6" name="TextBox 5">
             <a:extLst>
               <a:ext uri="{FF2B5EF4-FFF2-40B4-BE49-F238E27FC236}">
@@ -1312,7 +1093,7 @@
             <a:r>
               <a:rPr lang="en-US" sz="1800" b="1" dirty="0">
                 <a:solidFill>
-                  <a:srgbClr val="FFC000"/>
+                  <a:srgbClr val="C00000"/>
                 </a:solidFill>
                 <a:latin typeface="Times New Roman" panose="02020603050405020304" pitchFamily="18" charset="0"/>
                 <a:cs typeface="Times New Roman" panose="02020603050405020304" pitchFamily="18" charset="0"/>
@@ -1322,7 +1103,7 @@
             <a:r>
               <a:rPr lang="en-US" sz="1800" dirty="0">
                 <a:solidFill>
-                  <a:srgbClr val="FFC000"/>
+                  <a:srgbClr val="C00000"/>
                 </a:solidFill>
                 <a:latin typeface="Times New Roman" panose="02020603050405020304" pitchFamily="18" charset="0"/>
                 <a:cs typeface="Times New Roman" panose="02020603050405020304" pitchFamily="18" charset="0"/>
@@ -1335,7 +1116,7 @@
             <a:r>
               <a:rPr lang="en-US" sz="1050" dirty="0">
                 <a:solidFill>
-                  <a:srgbClr val="FFC000"/>
+                  <a:srgbClr val="C00000"/>
                 </a:solidFill>
                 <a:latin typeface="Times New Roman" panose="02020603050405020304" pitchFamily="18" charset="0"/>
                 <a:cs typeface="Times New Roman" panose="02020603050405020304" pitchFamily="18" charset="0"/>
@@ -1348,7 +1129,7 @@
             <a:r>
               <a:rPr lang="en-US" sz="1050" dirty="0">
                 <a:solidFill>
-                  <a:srgbClr val="FFC000"/>
+                  <a:srgbClr val="C00000"/>
                 </a:solidFill>
                 <a:latin typeface="Garamond" panose="02020404030301010803" pitchFamily="18" charset="0"/>
                 <a:cs typeface="Times New Roman" panose="02020603050405020304" pitchFamily="18" charset="0"/>
@@ -1358,7 +1139,7 @@
             <a:r>
               <a:rPr lang="en-US" sz="1050" i="1" dirty="0">
                 <a:solidFill>
-                  <a:srgbClr val="FFC000"/>
+                  <a:srgbClr val="C00000"/>
                 </a:solidFill>
                 <a:latin typeface="Garamond" panose="02020404030301010803" pitchFamily="18" charset="0"/>
                 <a:cs typeface="Times New Roman" panose="02020603050405020304" pitchFamily="18" charset="0"/>
@@ -1506,7 +1287,7 @@
           <a:p>
             <a:fld id="{C6FDED16-27A6-4B02-8990-5091F570602B}" type="datetimeFigureOut">
               <a:rPr lang="en-US" smtClean="0"/>
-              <a:t>11/29/2021</a:t>
+              <a:t>11/28/2022</a:t>
             </a:fld>
             <a:endParaRPr lang="en-US"/>
           </a:p>
@@ -1781,7 +1562,7 @@
           <a:p>
             <a:fld id="{C6FDED16-27A6-4B02-8990-5091F570602B}" type="datetimeFigureOut">
               <a:rPr lang="en-US" smtClean="0"/>
-              <a:t>11/29/2021</a:t>
+              <a:t>11/28/2022</a:t>
             </a:fld>
             <a:endParaRPr lang="en-US"/>
           </a:p>
@@ -2046,7 +1827,7 @@
           <a:p>
             <a:fld id="{C6FDED16-27A6-4B02-8990-5091F570602B}" type="datetimeFigureOut">
               <a:rPr lang="en-US" smtClean="0"/>
-              <a:t>11/29/2021</a:t>
+              <a:t>11/28/2022</a:t>
             </a:fld>
             <a:endParaRPr lang="en-US"/>
           </a:p>
@@ -2458,7 +2239,7 @@
           <a:p>
             <a:fld id="{C6FDED16-27A6-4B02-8990-5091F570602B}" type="datetimeFigureOut">
               <a:rPr lang="en-US" smtClean="0"/>
-              <a:t>11/29/2021</a:t>
+              <a:t>11/28/2022</a:t>
             </a:fld>
             <a:endParaRPr lang="en-US"/>
           </a:p>
@@ -2599,7 +2380,7 @@
           <a:p>
             <a:fld id="{C6FDED16-27A6-4B02-8990-5091F570602B}" type="datetimeFigureOut">
               <a:rPr lang="en-US" smtClean="0"/>
-              <a:t>11/29/2021</a:t>
+              <a:t>11/28/2022</a:t>
             </a:fld>
             <a:endParaRPr lang="en-US"/>
           </a:p>
@@ -2712,7 +2493,7 @@
           <a:p>
             <a:fld id="{C6FDED16-27A6-4B02-8990-5091F570602B}" type="datetimeFigureOut">
               <a:rPr lang="en-US" smtClean="0"/>
-              <a:t>11/29/2021</a:t>
+              <a:t>11/28/2022</a:t>
             </a:fld>
             <a:endParaRPr lang="en-US"/>
           </a:p>
@@ -3023,7 +2804,7 @@
           <a:p>
             <a:fld id="{C6FDED16-27A6-4B02-8990-5091F570602B}" type="datetimeFigureOut">
               <a:rPr lang="en-US" smtClean="0"/>
-              <a:t>11/29/2021</a:t>
+              <a:t>11/28/2022</a:t>
             </a:fld>
             <a:endParaRPr lang="en-US"/>
           </a:p>
@@ -3311,7 +3092,7 @@
           <a:p>
             <a:fld id="{C6FDED16-27A6-4B02-8990-5091F570602B}" type="datetimeFigureOut">
               <a:rPr lang="en-US" smtClean="0"/>
-              <a:t>11/29/2021</a:t>
+              <a:t>11/28/2022</a:t>
             </a:fld>
             <a:endParaRPr lang="en-US"/>
           </a:p>
@@ -3552,7 +3333,7 @@
           <a:p>
             <a:fld id="{C6FDED16-27A6-4B02-8990-5091F570602B}" type="datetimeFigureOut">
               <a:rPr lang="en-US" smtClean="0"/>
-              <a:t>11/29/2021</a:t>
+              <a:t>11/28/2022</a:t>
             </a:fld>
             <a:endParaRPr lang="en-US"/>
           </a:p>
@@ -4036,7 +3817,7 @@
           <a:p>
             <a:r>
               <a:rPr lang="en-US" dirty="0"/>
-              <a:t>Fall 2020. CS 513.</a:t>
+              <a:t>Fall 2022. CS 513.</a:t>
             </a:r>
           </a:p>
           <a:p>
@@ -4044,79 +3825,6 @@
               <a:rPr lang="en-US" dirty="0"/>
               <a:t>Instructor: Jyo Deshmukh</a:t>
             </a:r>
-          </a:p>
-        </p:txBody>
-      </p:sp>
-      <p:sp>
-        <p:nvSpPr>
-          <p:cNvPr id="5" name="Rectangle 4">
-            <a:extLst>
-              <a:ext uri="{FF2B5EF4-FFF2-40B4-BE49-F238E27FC236}">
-                <a16:creationId xmlns:a16="http://schemas.microsoft.com/office/drawing/2014/main" id="{1D6031B9-2A87-4FA8-B45E-A2C99B7A9043}"/>
-              </a:ext>
-            </a:extLst>
-          </p:cNvPr>
-          <p:cNvSpPr/>
-          <p:nvPr/>
-        </p:nvSpPr>
-        <p:spPr>
-          <a:xfrm>
-            <a:off x="0" y="6223000"/>
-            <a:ext cx="12192000" cy="635000"/>
-          </a:xfrm>
-          <a:prstGeom prst="rect">
-            <a:avLst/>
-          </a:prstGeom>
-          <a:solidFill>
-            <a:srgbClr val="990000"/>
-          </a:solidFill>
-          <a:ln w="9525" cap="flat" cmpd="sng" algn="ctr">
-            <a:noFill/>
-            <a:prstDash val="solid"/>
-          </a:ln>
-          <a:effectLst>
-            <a:outerShdw blurRad="40000" dist="23000" dir="5400000" rotWithShape="0">
-              <a:srgbClr val="000000">
-                <a:alpha val="35000"/>
-              </a:srgbClr>
-            </a:outerShdw>
-          </a:effectLst>
-        </p:spPr>
-        <p:txBody>
-          <a:bodyPr rtlCol="0" anchor="ctr"/>
-          <a:lstStyle/>
-          <a:p>
-            <a:pPr marL="0" marR="0" lvl="0" indent="0" algn="ctr" defTabSz="457200" eaLnBrk="1" fontAlgn="auto" latinLnBrk="0" hangingPunct="1">
-              <a:lnSpc>
-                <a:spcPct val="100000"/>
-              </a:lnSpc>
-              <a:spcBef>
-                <a:spcPts val="0"/>
-              </a:spcBef>
-              <a:spcAft>
-                <a:spcPts val="0"/>
-              </a:spcAft>
-              <a:buClrTx/>
-              <a:buSzTx/>
-              <a:buFontTx/>
-              <a:buNone/>
-              <a:tabLst/>
-              <a:defRPr/>
-            </a:pPr>
-            <a:endParaRPr kumimoji="0" lang="en-US" sz="4000" b="0" i="0" u="none" strike="noStrike" kern="0" cap="none" spc="0" normalizeH="0" baseline="0" noProof="0" dirty="0">
-              <a:ln>
-                <a:noFill/>
-              </a:ln>
-              <a:solidFill>
-                <a:srgbClr val="FFC000"/>
-              </a:solidFill>
-              <a:effectLst/>
-              <a:uLnTx/>
-              <a:uFillTx/>
-              <a:latin typeface="Times New Roman" panose="02020603050405020304" pitchFamily="18" charset="0"/>
-              <a:ea typeface="+mn-ea"/>
-              <a:cs typeface="Times New Roman" panose="02020603050405020304" pitchFamily="18" charset="0"/>
-            </a:endParaRPr>
           </a:p>
         </p:txBody>
       </p:sp>
@@ -4152,7 +3860,7 @@
             <a:r>
               <a:rPr lang="en-US" sz="1800" b="1" dirty="0">
                 <a:solidFill>
-                  <a:srgbClr val="FFC000"/>
+                  <a:srgbClr val="C00000"/>
                 </a:solidFill>
                 <a:latin typeface="Times New Roman" panose="02020603050405020304" pitchFamily="18" charset="0"/>
                 <a:cs typeface="Times New Roman" panose="02020603050405020304" pitchFamily="18" charset="0"/>
@@ -4162,7 +3870,7 @@
             <a:r>
               <a:rPr lang="en-US" sz="1800" dirty="0">
                 <a:solidFill>
-                  <a:srgbClr val="FFC000"/>
+                  <a:srgbClr val="C00000"/>
                 </a:solidFill>
                 <a:latin typeface="Times New Roman" panose="02020603050405020304" pitchFamily="18" charset="0"/>
                 <a:cs typeface="Times New Roman" panose="02020603050405020304" pitchFamily="18" charset="0"/>
@@ -4175,7 +3883,7 @@
             <a:r>
               <a:rPr lang="en-US" sz="1050" dirty="0">
                 <a:solidFill>
-                  <a:srgbClr val="FFC000"/>
+                  <a:srgbClr val="C00000"/>
                 </a:solidFill>
                 <a:latin typeface="Times New Roman" panose="02020603050405020304" pitchFamily="18" charset="0"/>
                 <a:cs typeface="Times New Roman" panose="02020603050405020304" pitchFamily="18" charset="0"/>
@@ -4188,7 +3896,7 @@
             <a:r>
               <a:rPr lang="en-US" sz="1050" dirty="0">
                 <a:solidFill>
-                  <a:srgbClr val="FFC000"/>
+                  <a:srgbClr val="C00000"/>
                 </a:solidFill>
                 <a:latin typeface="Garamond" panose="02020404030301010803" pitchFamily="18" charset="0"/>
                 <a:cs typeface="Times New Roman" panose="02020603050405020304" pitchFamily="18" charset="0"/>
@@ -4198,7 +3906,7 @@
             <a:r>
               <a:rPr lang="en-US" sz="1050" i="1" dirty="0">
                 <a:solidFill>
-                  <a:srgbClr val="FFC000"/>
+                  <a:srgbClr val="C00000"/>
                 </a:solidFill>
                 <a:latin typeface="Garamond" panose="02020404030301010803" pitchFamily="18" charset="0"/>
                 <a:cs typeface="Times New Roman" panose="02020603050405020304" pitchFamily="18" charset="0"/>
@@ -4238,8 +3946,8 @@
           <a:chExt cx="0" cy="0"/>
         </a:xfrm>
       </p:grpSpPr>
-      <mc:AlternateContent xmlns:mc="http://schemas.openxmlformats.org/markup-compatibility/2006" xmlns:a14="http://schemas.microsoft.com/office/drawing/2010/main">
-        <mc:Choice Requires="a14">
+      <mc:AlternateContent xmlns:mc="http://schemas.openxmlformats.org/markup-compatibility/2006">
+        <mc:Choice xmlns:a14="http://schemas.microsoft.com/office/drawing/2010/main" Requires="a14">
           <p:sp>
             <p:nvSpPr>
               <p:cNvPr id="2" name="Content Placeholder 1">
@@ -4544,15 +4252,7 @@
                 </a14:m>
                 <a:r>
                   <a:rPr lang="en-US" dirty="0"/>
-                  <a:t>-consensus problem to </a:t>
-                </a:r>
-                <a:r>
-                  <a:rPr lang="en-US" dirty="0" err="1"/>
-                  <a:t>calculuate</a:t>
-                </a:r>
-                <a:r>
-                  <a:rPr lang="en-US" dirty="0"/>
-                  <a:t> </a:t>
+                  <a:t>-consensus problem is to calculate </a:t>
                 </a:r>
                 <a14:m>
                   <m:oMath xmlns:m="http://schemas.openxmlformats.org/officeDocument/2006/math">
@@ -5156,7 +4856,7 @@
                 </a14:m>
                 <a:r>
                   <a:rPr lang="en-US" dirty="0"/>
-                  <a:t> (i.e. if the feedback only uses a node and some subset of its neighbors)</a:t>
+                  <a:t> (i.e., if the feedback only uses a node and some subset of its neighbors)</a:t>
                 </a:r>
               </a:p>
               <a:p>
@@ -5267,7 +4967,7 @@
             </p:txBody>
           </p:sp>
         </mc:Choice>
-        <mc:Fallback xmlns="">
+        <mc:Fallback>
           <p:sp>
             <p:nvSpPr>
               <p:cNvPr id="2" name="Content Placeholder 1">
@@ -5288,7 +4988,7 @@
               <a:blipFill>
                 <a:blip r:embed="rId2"/>
                 <a:stretch>
-                  <a:fillRect l="-625" t="-2384"/>
+                  <a:fillRect l="-677" t="-1946"/>
                 </a:stretch>
               </a:blipFill>
             </p:spPr>
@@ -5418,8 +5118,8 @@
           <a:chExt cx="0" cy="0"/>
         </a:xfrm>
       </p:grpSpPr>
-      <mc:AlternateContent xmlns:mc="http://schemas.openxmlformats.org/markup-compatibility/2006" xmlns:a14="http://schemas.microsoft.com/office/drawing/2010/main">
-        <mc:Choice Requires="a14">
+      <mc:AlternateContent xmlns:mc="http://schemas.openxmlformats.org/markup-compatibility/2006">
+        <mc:Choice xmlns:a14="http://schemas.microsoft.com/office/drawing/2010/main" Requires="a14">
           <p:sp>
             <p:nvSpPr>
               <p:cNvPr id="2" name="Content Placeholder 1">
@@ -5436,7 +5136,12 @@
                 <p:ph idx="1"/>
               </p:nvPr>
             </p:nvSpPr>
-            <p:spPr/>
+            <p:spPr>
+              <a:xfrm>
+                <a:off x="157803" y="1419224"/>
+                <a:ext cx="11699087" cy="4564325"/>
+              </a:xfrm>
+            </p:spPr>
             <p:txBody>
               <a:bodyPr/>
               <a:lstStyle/>
@@ -5587,12 +5292,8 @@
                   </m:oMath>
                 </a14:m>
                 <a:r>
-                  <a:rPr lang="en-US" dirty="0" err="1"/>
-                  <a:t>satisfiying</a:t>
-                </a:r>
-                <a:r>
                   <a:rPr lang="en-US" dirty="0"/>
-                  <a:t> </a:t>
+                  <a:t>satisfying </a:t>
                 </a:r>
                 <a14:m>
                   <m:oMath xmlns:m="http://schemas.openxmlformats.org/officeDocument/2006/math">
@@ -6055,7 +5756,7 @@
             </p:txBody>
           </p:sp>
         </mc:Choice>
-        <mc:Fallback xmlns="">
+        <mc:Fallback>
           <p:sp>
             <p:nvSpPr>
               <p:cNvPr id="2" name="Content Placeholder 1">
@@ -6073,10 +5774,14 @@
               </p:nvPr>
             </p:nvSpPr>
             <p:spPr>
+              <a:xfrm>
+                <a:off x="157803" y="1419224"/>
+                <a:ext cx="11699087" cy="4564325"/>
+              </a:xfrm>
               <a:blipFill>
                 <a:blip r:embed="rId2"/>
                 <a:stretch>
-                  <a:fillRect l="-625" t="-2384"/>
+                  <a:fillRect l="-677" t="-2270"/>
                 </a:stretch>
               </a:blipFill>
             </p:spPr>
@@ -6210,8 +5915,8 @@
           <a:chExt cx="0" cy="0"/>
         </a:xfrm>
       </p:grpSpPr>
-      <mc:AlternateContent xmlns:mc="http://schemas.openxmlformats.org/markup-compatibility/2006" xmlns:a14="http://schemas.microsoft.com/office/drawing/2010/main">
-        <mc:Choice Requires="a14">
+      <mc:AlternateContent xmlns:mc="http://schemas.openxmlformats.org/markup-compatibility/2006">
+        <mc:Choice xmlns:a14="http://schemas.microsoft.com/office/drawing/2010/main" Requires="a14">
           <p:sp>
             <p:nvSpPr>
               <p:cNvPr id="2" name="Content Placeholder 1">
@@ -6550,6 +6255,12 @@
                 <a:endParaRPr lang="en-US" dirty="0"/>
               </a:p>
               <a:p>
+                <a:pPr marL="411480" lvl="1" indent="0">
+                  <a:buNone/>
+                </a:pPr>
+                <a:endParaRPr lang="en-US" dirty="0"/>
+              </a:p>
+              <a:p>
                 <a:r>
                   <a:rPr lang="en-US" dirty="0"/>
                   <a:t>With time delay </a:t>
@@ -6586,14 +6297,6 @@
                 <a:r>
                   <a:rPr lang="en-US" dirty="0"/>
                   <a:t> for each </a:t>
-                </a:r>
-                <a:r>
-                  <a:rPr lang="en-US" dirty="0" err="1"/>
-                  <a:t>each</a:t>
-                </a:r>
-                <a:r>
-                  <a:rPr lang="en-US" dirty="0"/>
-                  <a:t> </a:t>
                 </a:r>
                 <a14:m>
                   <m:oMath xmlns:m="http://schemas.openxmlformats.org/officeDocument/2006/math">
@@ -7004,7 +6707,7 @@
             </p:txBody>
           </p:sp>
         </mc:Choice>
-        <mc:Fallback xmlns="">
+        <mc:Fallback>
           <p:sp>
             <p:nvSpPr>
               <p:cNvPr id="2" name="Content Placeholder 1">
@@ -7025,7 +6728,7 @@
               <a:blipFill>
                 <a:blip r:embed="rId2"/>
                 <a:stretch>
-                  <a:fillRect l="-625" t="-2384"/>
+                  <a:fillRect l="-677" t="-1946"/>
                 </a:stretch>
               </a:blipFill>
             </p:spPr>
@@ -7341,7 +7044,7 @@
 </file>
 
 <file path=ppt/slides/slide15.xml><?xml version="1.0" encoding="utf-8"?>
-<p:sld xmlns:a="http://schemas.openxmlformats.org/drawingml/2006/main" xmlns:r="http://schemas.openxmlformats.org/officeDocument/2006/relationships" xmlns:p="http://schemas.openxmlformats.org/presentationml/2006/main">
+<p:sld xmlns:a="http://schemas.openxmlformats.org/drawingml/2006/main" xmlns:r="http://schemas.openxmlformats.org/officeDocument/2006/relationships" xmlns:p="http://schemas.openxmlformats.org/presentationml/2006/main" show="0">
   <p:cSld>
     <p:spTree>
       <p:nvGrpSpPr>
@@ -7482,7 +7185,7 @@
 </file>
 
 <file path=ppt/slides/slide16.xml><?xml version="1.0" encoding="utf-8"?>
-<p:sld xmlns:a="http://schemas.openxmlformats.org/drawingml/2006/main" xmlns:r="http://schemas.openxmlformats.org/officeDocument/2006/relationships" xmlns:p="http://schemas.openxmlformats.org/presentationml/2006/main">
+<p:sld xmlns:a="http://schemas.openxmlformats.org/drawingml/2006/main" xmlns:r="http://schemas.openxmlformats.org/officeDocument/2006/relationships" xmlns:p="http://schemas.openxmlformats.org/presentationml/2006/main" show="0">
   <p:cSld>
     <p:spTree>
       <p:nvGrpSpPr>
@@ -7827,7 +7530,7 @@
 </file>
 
 <file path=ppt/slides/slide17.xml><?xml version="1.0" encoding="utf-8"?>
-<p:sld xmlns:a="http://schemas.openxmlformats.org/drawingml/2006/main" xmlns:r="http://schemas.openxmlformats.org/officeDocument/2006/relationships" xmlns:p="http://schemas.openxmlformats.org/presentationml/2006/main">
+<p:sld xmlns:a="http://schemas.openxmlformats.org/drawingml/2006/main" xmlns:r="http://schemas.openxmlformats.org/officeDocument/2006/relationships" xmlns:p="http://schemas.openxmlformats.org/presentationml/2006/main" show="0">
   <p:cSld>
     <p:spTree>
       <p:nvGrpSpPr>
@@ -7942,7 +7645,7 @@
 </file>
 
 <file path=ppt/slides/slide18.xml><?xml version="1.0" encoding="utf-8"?>
-<p:sld xmlns:a="http://schemas.openxmlformats.org/drawingml/2006/main" xmlns:r="http://schemas.openxmlformats.org/officeDocument/2006/relationships" xmlns:p="http://schemas.openxmlformats.org/presentationml/2006/main">
+<p:sld xmlns:a="http://schemas.openxmlformats.org/drawingml/2006/main" xmlns:r="http://schemas.openxmlformats.org/officeDocument/2006/relationships" xmlns:p="http://schemas.openxmlformats.org/presentationml/2006/main" show="0">
   <p:cSld>
     <p:spTree>
       <p:nvGrpSpPr>
@@ -8064,7 +7767,7 @@
 </file>
 
 <file path=ppt/slides/slide19.xml><?xml version="1.0" encoding="utf-8"?>
-<p:sld xmlns:a="http://schemas.openxmlformats.org/drawingml/2006/main" xmlns:r="http://schemas.openxmlformats.org/officeDocument/2006/relationships" xmlns:p="http://schemas.openxmlformats.org/presentationml/2006/main">
+<p:sld xmlns:a="http://schemas.openxmlformats.org/drawingml/2006/main" xmlns:r="http://schemas.openxmlformats.org/officeDocument/2006/relationships" xmlns:p="http://schemas.openxmlformats.org/presentationml/2006/main" show="0">
   <p:cSld>
     <p:spTree>
       <p:nvGrpSpPr>
@@ -8284,7 +7987,7 @@
 </file>
 
 <file path=ppt/slides/slide20.xml><?xml version="1.0" encoding="utf-8"?>
-<p:sld xmlns:a="http://schemas.openxmlformats.org/drawingml/2006/main" xmlns:r="http://schemas.openxmlformats.org/officeDocument/2006/relationships" xmlns:p="http://schemas.openxmlformats.org/presentationml/2006/main">
+<p:sld xmlns:a="http://schemas.openxmlformats.org/drawingml/2006/main" xmlns:r="http://schemas.openxmlformats.org/officeDocument/2006/relationships" xmlns:p="http://schemas.openxmlformats.org/presentationml/2006/main" show="0">
   <p:cSld>
     <p:spTree>
       <p:nvGrpSpPr>
@@ -8420,7 +8123,12 @@
             <p:ph idx="1"/>
           </p:nvPr>
         </p:nvSpPr>
-        <p:spPr/>
+        <p:spPr>
+          <a:xfrm>
+            <a:off x="157803" y="1847850"/>
+            <a:ext cx="11699087" cy="4135700"/>
+          </a:xfrm>
+        </p:spPr>
         <p:txBody>
           <a:bodyPr/>
           <a:lstStyle/>
@@ -8534,7 +8242,7 @@
 </file>
 
 <file path=ppt/slides/slide22.xml><?xml version="1.0" encoding="utf-8"?>
-<p:sld xmlns:a="http://schemas.openxmlformats.org/drawingml/2006/main" xmlns:r="http://schemas.openxmlformats.org/officeDocument/2006/relationships" xmlns:p="http://schemas.openxmlformats.org/presentationml/2006/main">
+<p:sld xmlns:a="http://schemas.openxmlformats.org/drawingml/2006/main" xmlns:r="http://schemas.openxmlformats.org/officeDocument/2006/relationships" xmlns:p="http://schemas.openxmlformats.org/presentationml/2006/main" show="0">
   <p:cSld>
     <p:spTree>
       <p:nvGrpSpPr>
@@ -8550,8 +8258,8 @@
           <a:chExt cx="0" cy="0"/>
         </a:xfrm>
       </p:grpSpPr>
-      <mc:AlternateContent xmlns:mc="http://schemas.openxmlformats.org/markup-compatibility/2006" xmlns:a14="http://schemas.microsoft.com/office/drawing/2010/main">
-        <mc:Choice Requires="a14">
+      <mc:AlternateContent xmlns:mc="http://schemas.openxmlformats.org/markup-compatibility/2006">
+        <mc:Choice xmlns:a14="http://schemas.microsoft.com/office/drawing/2010/main" Requires="a14">
           <p:sp>
             <p:nvSpPr>
               <p:cNvPr id="2" name="Content Placeholder 1">
@@ -8568,7 +8276,12 @@
                 <p:ph idx="1"/>
               </p:nvPr>
             </p:nvSpPr>
-            <p:spPr/>
+            <p:spPr>
+              <a:xfrm>
+                <a:off x="157803" y="1647824"/>
+                <a:ext cx="11699087" cy="4335725"/>
+              </a:xfrm>
+            </p:spPr>
             <p:txBody>
               <a:bodyPr/>
               <a:lstStyle/>
@@ -8693,7 +8406,7 @@
             </p:txBody>
           </p:sp>
         </mc:Choice>
-        <mc:Fallback xmlns="">
+        <mc:Fallback>
           <p:sp>
             <p:nvSpPr>
               <p:cNvPr id="2" name="Content Placeholder 1">
@@ -8711,10 +8424,14 @@
               </p:nvPr>
             </p:nvSpPr>
             <p:spPr>
+              <a:xfrm>
+                <a:off x="157803" y="1647824"/>
+                <a:ext cx="11699087" cy="4335725"/>
+              </a:xfrm>
               <a:blipFill>
                 <a:blip r:embed="rId2"/>
                 <a:stretch>
-                  <a:fillRect l="-625" t="-2384"/>
+                  <a:fillRect l="-677" t="-2247"/>
                 </a:stretch>
               </a:blipFill>
             </p:spPr>
@@ -8846,7 +8563,7 @@
 </file>
 
 <file path=ppt/slides/slide23.xml><?xml version="1.0" encoding="utf-8"?>
-<p:sld xmlns:a="http://schemas.openxmlformats.org/drawingml/2006/main" xmlns:r="http://schemas.openxmlformats.org/officeDocument/2006/relationships" xmlns:p="http://schemas.openxmlformats.org/presentationml/2006/main">
+<p:sld xmlns:a="http://schemas.openxmlformats.org/drawingml/2006/main" xmlns:r="http://schemas.openxmlformats.org/officeDocument/2006/relationships" xmlns:p="http://schemas.openxmlformats.org/presentationml/2006/main" show="0">
   <p:cSld>
     <p:spTree>
       <p:nvGrpSpPr>
@@ -9082,7 +8799,7 @@
 </file>
 
 <file path=ppt/slides/slide24.xml><?xml version="1.0" encoding="utf-8"?>
-<p:sld xmlns:a="http://schemas.openxmlformats.org/drawingml/2006/main" xmlns:r="http://schemas.openxmlformats.org/officeDocument/2006/relationships" xmlns:p="http://schemas.openxmlformats.org/presentationml/2006/main">
+<p:sld xmlns:a="http://schemas.openxmlformats.org/drawingml/2006/main" xmlns:r="http://schemas.openxmlformats.org/officeDocument/2006/relationships" xmlns:p="http://schemas.openxmlformats.org/presentationml/2006/main" show="0">
   <p:cSld>
     <p:spTree>
       <p:nvGrpSpPr>
@@ -9308,14 +9025,19 @@
             <p:ph idx="1"/>
           </p:nvPr>
         </p:nvSpPr>
-        <p:spPr/>
+        <p:spPr>
+          <a:xfrm>
+            <a:off x="157803" y="1590674"/>
+            <a:ext cx="11699087" cy="4392875"/>
+          </a:xfrm>
+        </p:spPr>
         <p:txBody>
           <a:bodyPr/>
           <a:lstStyle/>
           <a:p>
             <a:r>
               <a:rPr lang="en-US" dirty="0"/>
-              <a:t>Used for platoons of vehicles (e.g. trucks)</a:t>
+              <a:t>Used for platoons of vehicles (e.g., trucks)</a:t>
             </a:r>
           </a:p>
           <a:p>
@@ -9474,7 +9196,12 @@
             <p:ph idx="1"/>
           </p:nvPr>
         </p:nvSpPr>
-        <p:spPr/>
+        <p:spPr>
+          <a:xfrm>
+            <a:off x="157803" y="1628774"/>
+            <a:ext cx="11699087" cy="4354775"/>
+          </a:xfrm>
+        </p:spPr>
         <p:txBody>
           <a:bodyPr/>
           <a:lstStyle/>
@@ -9844,22 +9571,14 @@
             <a:pPr lvl="1"/>
             <a:r>
               <a:rPr lang="en-US" sz="2200" dirty="0"/>
-              <a:t>E.g. doubling of speed causes doubling of gap between vehicles</a:t>
+              <a:t>E.g., doubling of speed causes doubling of gap between vehicles</a:t>
             </a:r>
           </a:p>
           <a:p>
             <a:pPr lvl="1"/>
             <a:r>
               <a:rPr lang="en-US" sz="2200" dirty="0"/>
-              <a:t>Time gap criterion described in terms of time between rear bumper of leading vehicle and front bumper of trailing vehicle pass a fixed point on </a:t>
-            </a:r>
-            <a:r>
-              <a:rPr lang="en-US" sz="2200" dirty="0" err="1"/>
-              <a:t>te</a:t>
-            </a:r>
-            <a:r>
-              <a:rPr lang="en-US" sz="2200" dirty="0"/>
-              <a:t> roadway</a:t>
+              <a:t>Time gap criterion described in terms of time between rear bumper of leading vehicle and front bumper of trailing vehicle pass a fixed point on the roadway</a:t>
             </a:r>
           </a:p>
           <a:p>
@@ -9990,7 +9709,7 @@
         <p:spPr/>
         <p:txBody>
           <a:bodyPr>
-            <a:normAutofit fontScale="92500" lnSpcReduction="10000"/>
+            <a:normAutofit fontScale="92500"/>
           </a:bodyPr>
           <a:lstStyle/>
           <a:p>
@@ -10359,7 +10078,12 @@
             <p:ph idx="1"/>
           </p:nvPr>
         </p:nvSpPr>
-        <p:spPr/>
+        <p:spPr>
+          <a:xfrm>
+            <a:off x="157803" y="1762124"/>
+            <a:ext cx="11699087" cy="4221425"/>
+          </a:xfrm>
+        </p:spPr>
         <p:txBody>
           <a:bodyPr/>
           <a:lstStyle/>
@@ -10372,7 +10096,7 @@
           <a:p>
             <a:r>
               <a:rPr lang="en-US" dirty="0"/>
-              <a:t>Drivers still have to actively steer (unless they have lane-tracking-control) and monitor traffic</a:t>
+              <a:t>Drivers must still actively steer (unless they have lane-tracking-control) and monitor traffic</a:t>
             </a:r>
           </a:p>
           <a:p>
@@ -10496,7 +10220,7 @@
         <p:spPr/>
         <p:txBody>
           <a:bodyPr>
-            <a:normAutofit fontScale="92500"/>
+            <a:normAutofit/>
           </a:bodyPr>
           <a:lstStyle/>
           <a:p>
@@ -10514,13 +10238,13 @@
           <a:p>
             <a:r>
               <a:rPr lang="en-US" dirty="0"/>
-              <a:t>In some cases may require string to be split while the truck in the middle departs</a:t>
+              <a:t>In some cases, may require string to be split while the truck in the middle departs</a:t>
             </a:r>
           </a:p>
           <a:p>
             <a:r>
               <a:rPr lang="en-US" dirty="0"/>
-              <a:t>As you can see, the above protocols have NUMEROUS fault conditions, errors and abnormal operating conditions (obstacle in the road, accidents, etc.)</a:t>
+              <a:t>Protocols have NUMEROUS fault conditions, errors and abnormal operating conditions (obstacle in the road, accidents, etc.)</a:t>
             </a:r>
           </a:p>
           <a:p>
@@ -10634,8 +10358,8 @@
           <a:chExt cx="0" cy="0"/>
         </a:xfrm>
       </p:grpSpPr>
-      <mc:AlternateContent xmlns:mc="http://schemas.openxmlformats.org/markup-compatibility/2006" xmlns:a14="http://schemas.microsoft.com/office/drawing/2010/main">
-        <mc:Choice Requires="a14">
+      <mc:AlternateContent xmlns:mc="http://schemas.openxmlformats.org/markup-compatibility/2006">
+        <mc:Choice xmlns:a14="http://schemas.microsoft.com/office/drawing/2010/main" Requires="a14">
           <p:sp>
             <p:nvSpPr>
               <p:cNvPr id="2" name="Content Placeholder 1">
@@ -11011,7 +10735,7 @@
               <a:p>
                 <a:r>
                   <a:rPr lang="en-US" dirty="0"/>
-                  <a:t>Assuming constant time-headway, i.e. </a:t>
+                  <a:t>Assuming constant time-headway, i.e., </a:t>
                 </a:r>
                 <a14:m>
                   <m:oMath xmlns:m="http://schemas.openxmlformats.org/officeDocument/2006/math">
@@ -11336,7 +11060,7 @@
             </p:txBody>
           </p:sp>
         </mc:Choice>
-        <mc:Fallback xmlns="">
+        <mc:Fallback>
           <p:sp>
             <p:nvSpPr>
               <p:cNvPr id="2" name="Content Placeholder 1">
@@ -11357,7 +11081,7 @@
               <a:blipFill>
                 <a:blip r:embed="rId2"/>
                 <a:stretch>
-                  <a:fillRect l="-625" t="-2384" r="-1355" b="-281"/>
+                  <a:fillRect l="-677" t="-1946" r="-1303"/>
                 </a:stretch>
               </a:blipFill>
             </p:spPr>
@@ -11482,7 +11206,12 @@
                 <p:ph idx="1"/>
               </p:nvPr>
             </p:nvSpPr>
-            <p:spPr/>
+            <p:spPr>
+              <a:xfrm>
+                <a:off x="157803" y="1609724"/>
+                <a:ext cx="11699087" cy="4373825"/>
+              </a:xfrm>
+            </p:spPr>
             <p:txBody>
               <a:bodyPr/>
               <a:lstStyle/>
@@ -11567,6 +11296,54 @@
                 </a:r>
                 <a14:m>
                   <m:oMath xmlns:m="http://schemas.openxmlformats.org/officeDocument/2006/math">
+                    <m:r>
+                      <a:rPr lang="en-US" b="0" i="1" smtClean="0">
+                        <a:latin typeface="Cambria Math" panose="02040503050406030204" pitchFamily="18" charset="0"/>
+                      </a:rPr>
+                      <m:t>∀</m:t>
+                    </m:r>
+                    <m:r>
+                      <a:rPr lang="en-US" b="0" i="1" smtClean="0">
+                        <a:latin typeface="Cambria Math" panose="02040503050406030204" pitchFamily="18" charset="0"/>
+                      </a:rPr>
+                      <m:t>𝑖</m:t>
+                    </m:r>
+                    <m:r>
+                      <a:rPr lang="en-US" b="0" i="1" smtClean="0">
+                        <a:latin typeface="Cambria Math" panose="02040503050406030204" pitchFamily="18" charset="0"/>
+                      </a:rPr>
+                      <m:t>∈</m:t>
+                    </m:r>
+                    <m:d>
+                      <m:dPr>
+                        <m:begChr m:val="["/>
+                        <m:ctrlPr>
+                          <a:rPr lang="en-US" b="0" i="1" smtClean="0">
+                            <a:latin typeface="Cambria Math" panose="02040503050406030204" pitchFamily="18" charset="0"/>
+                          </a:rPr>
+                        </m:ctrlPr>
+                      </m:dPr>
+                      <m:e>
+                        <m:r>
+                          <a:rPr lang="en-US" b="0" i="1" smtClean="0">
+                            <a:latin typeface="Cambria Math" panose="02040503050406030204" pitchFamily="18" charset="0"/>
+                          </a:rPr>
+                          <m:t>1,</m:t>
+                        </m:r>
+                        <m:r>
+                          <a:rPr lang="en-US" b="0" i="1" smtClean="0">
+                            <a:latin typeface="Cambria Math" panose="02040503050406030204" pitchFamily="18" charset="0"/>
+                          </a:rPr>
+                          <m:t>𝑛</m:t>
+                        </m:r>
+                      </m:e>
+                    </m:d>
+                    <m:r>
+                      <a:rPr lang="en-US" b="0" i="1" smtClean="0">
+                        <a:latin typeface="Cambria Math" panose="02040503050406030204" pitchFamily="18" charset="0"/>
+                      </a:rPr>
+                      <m:t>: </m:t>
+                    </m:r>
                     <m:sSub>
                       <m:sSubPr>
                         <m:ctrlPr>
@@ -11730,10 +11507,14 @@
               </p:nvPr>
             </p:nvSpPr>
             <p:spPr>
+              <a:xfrm>
+                <a:off x="157803" y="1609724"/>
+                <a:ext cx="11699087" cy="4373825"/>
+              </a:xfrm>
               <a:blipFill>
                 <a:blip r:embed="rId2"/>
                 <a:stretch>
-                  <a:fillRect l="-625" t="-2384"/>
+                  <a:fillRect l="-677" t="-2228"/>
                 </a:stretch>
               </a:blipFill>
             </p:spPr>
@@ -12032,7 +11813,7 @@
         <p:spPr/>
         <p:txBody>
           <a:bodyPr>
-            <a:normAutofit fontScale="92500" lnSpcReduction="20000"/>
+            <a:normAutofit fontScale="92500"/>
           </a:bodyPr>
           <a:lstStyle/>
           <a:p>
@@ -12358,7 +12139,7 @@
 </file>
 
 <file path=ppt/slides/slide37.xml><?xml version="1.0" encoding="utf-8"?>
-<p:sld xmlns:a="http://schemas.openxmlformats.org/drawingml/2006/main" xmlns:r="http://schemas.openxmlformats.org/officeDocument/2006/relationships" xmlns:p="http://schemas.openxmlformats.org/presentationml/2006/main">
+<p:sld xmlns:a="http://schemas.openxmlformats.org/drawingml/2006/main" xmlns:r="http://schemas.openxmlformats.org/officeDocument/2006/relationships" xmlns:p="http://schemas.openxmlformats.org/presentationml/2006/main" show="0">
   <p:cSld>
     <p:spTree>
       <p:nvGrpSpPr>
@@ -12393,7 +12174,7 @@
         <p:spPr/>
         <p:txBody>
           <a:bodyPr>
-            <a:normAutofit lnSpcReduction="10000"/>
+            <a:normAutofit/>
           </a:bodyPr>
           <a:lstStyle/>
           <a:p>
@@ -12432,7 +12213,7 @@
           <a:p>
             <a:r>
               <a:rPr lang="en-US" dirty="0"/>
-              <a:t>Modeling AIM: asynchronous, timed, &amp; hybrid process models used!</a:t>
+              <a:t>Modeling AIM: asynchronous, timed, &amp; hybrid process models can be used</a:t>
             </a:r>
           </a:p>
         </p:txBody>
@@ -12564,7 +12345,7 @@
         </p:spPr>
         <p:txBody>
           <a:bodyPr>
-            <a:normAutofit lnSpcReduction="10000"/>
+            <a:normAutofit/>
           </a:bodyPr>
           <a:lstStyle/>
           <a:p>
@@ -12576,13 +12357,13 @@
           <a:p>
             <a:r>
               <a:rPr lang="en-US" dirty="0"/>
-              <a:t>Can be formulated as a specific case in autonomous intersection management</a:t>
+              <a:t>Can be formulated as a specific case in AIM</a:t>
             </a:r>
           </a:p>
           <a:p>
             <a:r>
               <a:rPr lang="en-US" dirty="0"/>
-              <a:t>Specialized approaches based on highway ramp metering have existed for some time (these do not utilize V2V capability, and do not guarantee safety)</a:t>
+              <a:t>Specialized approaches based on highway ramp metering have existed for some time (do not utilize V2V, do not guarantee safety)</a:t>
             </a:r>
           </a:p>
         </p:txBody>
@@ -12694,7 +12475,7 @@
 </file>
 
 <file path=ppt/slides/slide39.xml><?xml version="1.0" encoding="utf-8"?>
-<p:sld xmlns:a="http://schemas.openxmlformats.org/drawingml/2006/main" xmlns:r="http://schemas.openxmlformats.org/officeDocument/2006/relationships" xmlns:p="http://schemas.openxmlformats.org/presentationml/2006/main">
+<p:sld xmlns:a="http://schemas.openxmlformats.org/drawingml/2006/main" xmlns:r="http://schemas.openxmlformats.org/officeDocument/2006/relationships" xmlns:p="http://schemas.openxmlformats.org/presentationml/2006/main" show="0">
   <p:cSld>
     <p:spTree>
       <p:nvGrpSpPr>
@@ -12974,7 +12755,12 @@
             <p:ph idx="1"/>
           </p:nvPr>
         </p:nvSpPr>
-        <p:spPr/>
+        <p:spPr>
+          <a:xfrm>
+            <a:off x="157803" y="1485900"/>
+            <a:ext cx="11699087" cy="4497650"/>
+          </a:xfrm>
+        </p:spPr>
         <p:txBody>
           <a:bodyPr/>
           <a:lstStyle/>
@@ -13058,7 +12844,7 @@
 </file>
 
 <file path=ppt/slides/slide40.xml><?xml version="1.0" encoding="utf-8"?>
-<p:sld xmlns:a="http://schemas.openxmlformats.org/drawingml/2006/main" xmlns:r="http://schemas.openxmlformats.org/officeDocument/2006/relationships" xmlns:p="http://schemas.openxmlformats.org/presentationml/2006/main">
+<p:sld xmlns:a="http://schemas.openxmlformats.org/drawingml/2006/main" xmlns:r="http://schemas.openxmlformats.org/officeDocument/2006/relationships" xmlns:p="http://schemas.openxmlformats.org/presentationml/2006/main" show="0">
   <p:cSld>
     <p:spTree>
       <p:nvGrpSpPr>
@@ -13093,7 +12879,7 @@
         <p:spPr/>
         <p:txBody>
           <a:bodyPr>
-            <a:normAutofit lnSpcReduction="10000"/>
+            <a:normAutofit/>
           </a:bodyPr>
           <a:lstStyle/>
           <a:p>
@@ -13235,7 +13021,7 @@
 </file>
 
 <file path=ppt/slides/slide41.xml><?xml version="1.0" encoding="utf-8"?>
-<p:sld xmlns:a="http://schemas.openxmlformats.org/drawingml/2006/main" xmlns:r="http://schemas.openxmlformats.org/officeDocument/2006/relationships" xmlns:p="http://schemas.openxmlformats.org/presentationml/2006/main">
+<p:sld xmlns:a="http://schemas.openxmlformats.org/drawingml/2006/main" xmlns:r="http://schemas.openxmlformats.org/officeDocument/2006/relationships" xmlns:p="http://schemas.openxmlformats.org/presentationml/2006/main" show="0">
   <p:cSld>
     <p:spTree>
       <p:nvGrpSpPr>
@@ -13415,7 +13201,7 @@
 </file>
 
 <file path=ppt/slides/slide42.xml><?xml version="1.0" encoding="utf-8"?>
-<p:sld xmlns:a="http://schemas.openxmlformats.org/drawingml/2006/main" xmlns:r="http://schemas.openxmlformats.org/officeDocument/2006/relationships" xmlns:p="http://schemas.openxmlformats.org/presentationml/2006/main">
+<p:sld xmlns:a="http://schemas.openxmlformats.org/drawingml/2006/main" xmlns:r="http://schemas.openxmlformats.org/officeDocument/2006/relationships" xmlns:p="http://schemas.openxmlformats.org/presentationml/2006/main" show="0">
   <p:cSld>
     <p:spTree>
       <p:nvGrpSpPr>
@@ -13626,7 +13412,7 @@
         <p:spPr/>
         <p:txBody>
           <a:bodyPr>
-            <a:normAutofit fontScale="92500" lnSpcReduction="10000"/>
+            <a:normAutofit/>
           </a:bodyPr>
           <a:lstStyle/>
           <a:p>
@@ -13857,7 +13643,7 @@
 </file>
 
 <file path=ppt/slides/slide44.xml><?xml version="1.0" encoding="utf-8"?>
-<p:sld xmlns:a="http://schemas.openxmlformats.org/drawingml/2006/main" xmlns:r="http://schemas.openxmlformats.org/officeDocument/2006/relationships" xmlns:p="http://schemas.openxmlformats.org/presentationml/2006/main" show="0">
+<p:sld xmlns:a="http://schemas.openxmlformats.org/drawingml/2006/main" xmlns:r="http://schemas.openxmlformats.org/officeDocument/2006/relationships" xmlns:p="http://schemas.openxmlformats.org/presentationml/2006/main">
   <p:cSld>
     <p:spTree>
       <p:nvGrpSpPr>
@@ -13977,7 +13763,7 @@
 </file>
 
 <file path=ppt/slides/slide45.xml><?xml version="1.0" encoding="utf-8"?>
-<p:sld xmlns:a="http://schemas.openxmlformats.org/drawingml/2006/main" xmlns:r="http://schemas.openxmlformats.org/officeDocument/2006/relationships" xmlns:p="http://schemas.openxmlformats.org/presentationml/2006/main" show="0">
+<p:sld xmlns:a="http://schemas.openxmlformats.org/drawingml/2006/main" xmlns:r="http://schemas.openxmlformats.org/officeDocument/2006/relationships" xmlns:p="http://schemas.openxmlformats.org/presentationml/2006/main">
   <p:cSld>
     <p:spTree>
       <p:nvGrpSpPr>
@@ -14168,7 +13954,7 @@
 </file>
 
 <file path=ppt/slides/slide46.xml><?xml version="1.0" encoding="utf-8"?>
-<p:sld xmlns:a="http://schemas.openxmlformats.org/drawingml/2006/main" xmlns:r="http://schemas.openxmlformats.org/officeDocument/2006/relationships" xmlns:p="http://schemas.openxmlformats.org/presentationml/2006/main" show="0">
+<p:sld xmlns:a="http://schemas.openxmlformats.org/drawingml/2006/main" xmlns:r="http://schemas.openxmlformats.org/officeDocument/2006/relationships" xmlns:p="http://schemas.openxmlformats.org/presentationml/2006/main">
   <p:cSld>
     <p:spTree>
       <p:nvGrpSpPr>
@@ -14359,7 +14145,7 @@
 </file>
 
 <file path=ppt/slides/slide47.xml><?xml version="1.0" encoding="utf-8"?>
-<p:sld xmlns:a="http://schemas.openxmlformats.org/drawingml/2006/main" xmlns:r="http://schemas.openxmlformats.org/officeDocument/2006/relationships" xmlns:p="http://schemas.openxmlformats.org/presentationml/2006/main" show="0">
+<p:sld xmlns:a="http://schemas.openxmlformats.org/drawingml/2006/main" xmlns:r="http://schemas.openxmlformats.org/officeDocument/2006/relationships" xmlns:p="http://schemas.openxmlformats.org/presentationml/2006/main">
   <p:cSld>
     <p:spTree>
       <p:nvGrpSpPr>
@@ -14973,7 +14759,7 @@
 </file>
 
 <file path=ppt/slides/slide49.xml><?xml version="1.0" encoding="utf-8"?>
-<p:sld xmlns:a="http://schemas.openxmlformats.org/drawingml/2006/main" xmlns:r="http://schemas.openxmlformats.org/officeDocument/2006/relationships" xmlns:p="http://schemas.openxmlformats.org/presentationml/2006/main" show="0">
+<p:sld xmlns:a="http://schemas.openxmlformats.org/drawingml/2006/main" xmlns:r="http://schemas.openxmlformats.org/officeDocument/2006/relationships" xmlns:p="http://schemas.openxmlformats.org/presentationml/2006/main">
   <p:cSld>
     <p:spTree>
       <p:nvGrpSpPr>
@@ -15005,7 +14791,12 @@
             <p:ph idx="1"/>
           </p:nvPr>
         </p:nvSpPr>
-        <p:spPr/>
+        <p:spPr>
+          <a:xfrm>
+            <a:off x="157803" y="1724024"/>
+            <a:ext cx="11699087" cy="4259525"/>
+          </a:xfrm>
+        </p:spPr>
         <p:txBody>
           <a:bodyPr/>
           <a:lstStyle/>
@@ -15159,8 +14950,8 @@
         </p:nvSpPr>
         <p:spPr>
           <a:xfrm>
-            <a:off x="166681" y="1927653"/>
-            <a:ext cx="11699087" cy="3756387"/>
+            <a:off x="166681" y="2203878"/>
+            <a:ext cx="11699087" cy="1634697"/>
           </a:xfrm>
         </p:spPr>
         <p:txBody>
@@ -15169,24 +14960,19 @@
           <a:p>
             <a:r>
               <a:rPr lang="en-US" dirty="0"/>
-              <a:t>Logic-based: Consensus, Synchronization, Team-</a:t>
-            </a:r>
-            <a:r>
-              <a:rPr lang="en-US" dirty="0" err="1"/>
-              <a:t>Formin</a:t>
-            </a:r>
-            <a:endParaRPr lang="en-US" dirty="0"/>
+              <a:t>Logic-based: Consensus, Synchronization, Team-Forming</a:t>
+            </a:r>
           </a:p>
           <a:p>
             <a:r>
               <a:rPr lang="en-US" dirty="0"/>
-              <a:t>Motion-based: Gather, Flock, Form a pattern</a:t>
+              <a:t>Motion-based: Gathering, Flocking, Forming a pattern</a:t>
             </a:r>
           </a:p>
           <a:p>
             <a:r>
               <a:rPr lang="en-US" dirty="0"/>
-              <a:t>Sensor-based: Search, Estimate, Identify, Track, Map</a:t>
+              <a:t>Sensor-based: Search, Estimation, Identification, Tracking, Mapping</a:t>
             </a:r>
           </a:p>
         </p:txBody>
@@ -15233,7 +15019,7 @@
 </file>
 
 <file path=ppt/slides/slide50.xml><?xml version="1.0" encoding="utf-8"?>
-<p:sld xmlns:a="http://schemas.openxmlformats.org/drawingml/2006/main" xmlns:r="http://schemas.openxmlformats.org/officeDocument/2006/relationships" xmlns:p="http://schemas.openxmlformats.org/presentationml/2006/main" show="0">
+<p:sld xmlns:a="http://schemas.openxmlformats.org/drawingml/2006/main" xmlns:r="http://schemas.openxmlformats.org/officeDocument/2006/relationships" xmlns:p="http://schemas.openxmlformats.org/presentationml/2006/main">
   <p:cSld>
     <p:spTree>
       <p:nvGrpSpPr>
@@ -15376,7 +15162,7 @@
 </file>
 
 <file path=ppt/slides/slide51.xml><?xml version="1.0" encoding="utf-8"?>
-<p:sld xmlns:a="http://schemas.openxmlformats.org/drawingml/2006/main" xmlns:r="http://schemas.openxmlformats.org/officeDocument/2006/relationships" xmlns:p="http://schemas.openxmlformats.org/presentationml/2006/main" show="0">
+<p:sld xmlns:a="http://schemas.openxmlformats.org/drawingml/2006/main" xmlns:r="http://schemas.openxmlformats.org/officeDocument/2006/relationships" xmlns:p="http://schemas.openxmlformats.org/presentationml/2006/main">
   <p:cSld>
     <p:spTree>
       <p:nvGrpSpPr>
@@ -15519,7 +15305,7 @@
 </file>
 
 <file path=ppt/slides/slide52.xml><?xml version="1.0" encoding="utf-8"?>
-<p:sld xmlns:a="http://schemas.openxmlformats.org/drawingml/2006/main" xmlns:r="http://schemas.openxmlformats.org/officeDocument/2006/relationships" xmlns:p="http://schemas.openxmlformats.org/presentationml/2006/main" show="0">
+<p:sld xmlns:a="http://schemas.openxmlformats.org/drawingml/2006/main" xmlns:r="http://schemas.openxmlformats.org/officeDocument/2006/relationships" xmlns:p="http://schemas.openxmlformats.org/presentationml/2006/main">
   <p:cSld>
     <p:spTree>
       <p:nvGrpSpPr>
@@ -15551,7 +15337,12 @@
             <p:ph idx="1"/>
           </p:nvPr>
         </p:nvSpPr>
-        <p:spPr/>
+        <p:spPr>
+          <a:xfrm>
+            <a:off x="157803" y="1581150"/>
+            <a:ext cx="11699087" cy="4402400"/>
+          </a:xfrm>
+        </p:spPr>
         <p:txBody>
           <a:bodyPr/>
           <a:lstStyle/>
@@ -15576,7 +15367,7 @@
           <a:p>
             <a:r>
               <a:rPr lang="en-US" dirty="0"/>
-              <a:t>Privacy</a:t>
+              <a:t>Privacy [skipped]</a:t>
             </a:r>
           </a:p>
           <a:p>
@@ -15656,7 +15447,7 @@
 </file>
 
 <file path=ppt/slides/slide53.xml><?xml version="1.0" encoding="utf-8"?>
-<p:sld xmlns:a="http://schemas.openxmlformats.org/drawingml/2006/main" xmlns:r="http://schemas.openxmlformats.org/officeDocument/2006/relationships" xmlns:p="http://schemas.openxmlformats.org/presentationml/2006/main" show="0">
+<p:sld xmlns:a="http://schemas.openxmlformats.org/drawingml/2006/main" xmlns:r="http://schemas.openxmlformats.org/officeDocument/2006/relationships" xmlns:p="http://schemas.openxmlformats.org/presentationml/2006/main">
   <p:cSld>
     <p:spTree>
       <p:nvGrpSpPr>
@@ -15691,7 +15482,7 @@
         <p:spPr/>
         <p:txBody>
           <a:bodyPr>
-            <a:normAutofit fontScale="92500" lnSpcReduction="10000"/>
+            <a:normAutofit/>
           </a:bodyPr>
           <a:lstStyle/>
           <a:p>
@@ -15843,7 +15634,7 @@
 </file>
 
 <file path=ppt/slides/slide54.xml><?xml version="1.0" encoding="utf-8"?>
-<p:sld xmlns:a="http://schemas.openxmlformats.org/drawingml/2006/main" xmlns:r="http://schemas.openxmlformats.org/officeDocument/2006/relationships" xmlns:p="http://schemas.openxmlformats.org/presentationml/2006/main" show="0">
+<p:sld xmlns:a="http://schemas.openxmlformats.org/drawingml/2006/main" xmlns:r="http://schemas.openxmlformats.org/officeDocument/2006/relationships" xmlns:p="http://schemas.openxmlformats.org/presentationml/2006/main">
   <p:cSld>
     <p:spTree>
       <p:nvGrpSpPr>
@@ -16296,7 +16087,7 @@
 </file>
 
 <file path=ppt/slides/slide55.xml><?xml version="1.0" encoding="utf-8"?>
-<p:sld xmlns:a="http://schemas.openxmlformats.org/drawingml/2006/main" xmlns:r="http://schemas.openxmlformats.org/officeDocument/2006/relationships" xmlns:p="http://schemas.openxmlformats.org/presentationml/2006/main" show="0">
+<p:sld xmlns:a="http://schemas.openxmlformats.org/drawingml/2006/main" xmlns:r="http://schemas.openxmlformats.org/officeDocument/2006/relationships" xmlns:p="http://schemas.openxmlformats.org/presentationml/2006/main">
   <p:cSld>
     <p:spTree>
       <p:nvGrpSpPr>
@@ -16446,7 +16237,7 @@
 </file>
 
 <file path=ppt/slides/slide56.xml><?xml version="1.0" encoding="utf-8"?>
-<p:sld xmlns:a="http://schemas.openxmlformats.org/drawingml/2006/main" xmlns:r="http://schemas.openxmlformats.org/officeDocument/2006/relationships" xmlns:p="http://schemas.openxmlformats.org/presentationml/2006/main" show="0">
+<p:sld xmlns:a="http://schemas.openxmlformats.org/drawingml/2006/main" xmlns:r="http://schemas.openxmlformats.org/officeDocument/2006/relationships" xmlns:p="http://schemas.openxmlformats.org/presentationml/2006/main">
   <p:cSld>
     <p:spTree>
       <p:nvGrpSpPr>
@@ -16462,8 +16253,8 @@
           <a:chExt cx="0" cy="0"/>
         </a:xfrm>
       </p:grpSpPr>
-      <mc:AlternateContent xmlns:mc="http://schemas.openxmlformats.org/markup-compatibility/2006" xmlns:a14="http://schemas.microsoft.com/office/drawing/2010/main">
-        <mc:Choice Requires="a14">
+      <mc:AlternateContent xmlns:mc="http://schemas.openxmlformats.org/markup-compatibility/2006">
+        <mc:Choice xmlns:a14="http://schemas.microsoft.com/office/drawing/2010/main" Requires="a14">
           <p:sp>
             <p:nvSpPr>
               <p:cNvPr id="2" name="Content Placeholder 1">
@@ -16480,7 +16271,12 @@
                 <p:ph idx="1"/>
               </p:nvPr>
             </p:nvSpPr>
-            <p:spPr/>
+            <p:spPr>
+              <a:xfrm>
+                <a:off x="157803" y="1400174"/>
+                <a:ext cx="11699087" cy="4583375"/>
+              </a:xfrm>
+            </p:spPr>
             <p:txBody>
               <a:bodyPr>
                 <a:normAutofit/>
@@ -16694,7 +16490,7 @@
                 <a:pPr lvl="1"/>
                 <a:r>
                   <a:rPr lang="en-US" dirty="0"/>
-                  <a:t>I.e. output seen when system starts in state </a:t>
+                  <a:t>I.e., output seen when system starts in state </a:t>
                 </a:r>
                 <a14:m>
                   <m:oMath xmlns:m="http://schemas.openxmlformats.org/officeDocument/2006/math">
@@ -17056,7 +16852,7 @@
                 </a14:m>
                 <a:r>
                   <a:rPr lang="en-US" dirty="0"/>
-                  <a:t> (I.e. </a:t>
+                  <a:t> (I.e., </a:t>
                 </a:r>
                 <a14:m>
                   <m:oMath xmlns:m="http://schemas.openxmlformats.org/officeDocument/2006/math">
@@ -17146,7 +16942,7 @@
             </p:txBody>
           </p:sp>
         </mc:Choice>
-        <mc:Fallback xmlns="">
+        <mc:Fallback>
           <p:sp>
             <p:nvSpPr>
               <p:cNvPr id="2" name="Content Placeholder 1">
@@ -17164,10 +16960,14 @@
               </p:nvPr>
             </p:nvSpPr>
             <p:spPr>
+              <a:xfrm>
+                <a:off x="157803" y="1400174"/>
+                <a:ext cx="11699087" cy="4583375"/>
+              </a:xfrm>
               <a:blipFill>
                 <a:blip r:embed="rId2"/>
                 <a:stretch>
-                  <a:fillRect l="-625" t="-2384" r="-1511"/>
+                  <a:fillRect l="-677" t="-2261" r="-1459"/>
                 </a:stretch>
               </a:blipFill>
             </p:spPr>
@@ -17290,7 +17090,12 @@
             <p:ph idx="1"/>
           </p:nvPr>
         </p:nvSpPr>
-        <p:spPr/>
+        <p:spPr>
+          <a:xfrm>
+            <a:off x="157803" y="1495424"/>
+            <a:ext cx="11699087" cy="4488125"/>
+          </a:xfrm>
+        </p:spPr>
         <p:txBody>
           <a:bodyPr>
             <a:normAutofit/>
@@ -17404,7 +17209,7 @@
 </file>
 
 <file path=ppt/slides/slide58.xml><?xml version="1.0" encoding="utf-8"?>
-<p:sld xmlns:a="http://schemas.openxmlformats.org/drawingml/2006/main" xmlns:r="http://schemas.openxmlformats.org/officeDocument/2006/relationships" xmlns:p="http://schemas.openxmlformats.org/presentationml/2006/main" show="0">
+<p:sld xmlns:a="http://schemas.openxmlformats.org/drawingml/2006/main" xmlns:r="http://schemas.openxmlformats.org/officeDocument/2006/relationships" xmlns:p="http://schemas.openxmlformats.org/presentationml/2006/main">
   <p:cSld>
     <p:spTree>
       <p:nvGrpSpPr>
@@ -17420,8 +17225,8 @@
           <a:chExt cx="0" cy="0"/>
         </a:xfrm>
       </p:grpSpPr>
-      <mc:AlternateContent xmlns:mc="http://schemas.openxmlformats.org/markup-compatibility/2006" xmlns:a14="http://schemas.microsoft.com/office/drawing/2010/main">
-        <mc:Choice Requires="a14">
+      <mc:AlternateContent xmlns:mc="http://schemas.openxmlformats.org/markup-compatibility/2006">
+        <mc:Choice xmlns:a14="http://schemas.microsoft.com/office/drawing/2010/main" Requires="a14">
           <p:sp>
             <p:nvSpPr>
               <p:cNvPr id="2" name="Content Placeholder 1">
@@ -17438,7 +17243,12 @@
                 <p:ph idx="1"/>
               </p:nvPr>
             </p:nvSpPr>
-            <p:spPr/>
+            <p:spPr>
+              <a:xfrm>
+                <a:off x="157803" y="1428750"/>
+                <a:ext cx="11699087" cy="4554800"/>
+              </a:xfrm>
+            </p:spPr>
             <p:txBody>
               <a:bodyPr>
                 <a:normAutofit/>
@@ -17727,7 +17537,7 @@
             </p:txBody>
           </p:sp>
         </mc:Choice>
-        <mc:Fallback xmlns="">
+        <mc:Fallback>
           <p:sp>
             <p:nvSpPr>
               <p:cNvPr id="2" name="Content Placeholder 1">
@@ -17745,10 +17555,14 @@
               </p:nvPr>
             </p:nvSpPr>
             <p:spPr>
+              <a:xfrm>
+                <a:off x="157803" y="1428750"/>
+                <a:ext cx="11699087" cy="4554800"/>
+              </a:xfrm>
               <a:blipFill>
                 <a:blip r:embed="rId2"/>
                 <a:stretch>
-                  <a:fillRect l="-625" t="-2384" r="-1563"/>
+                  <a:fillRect l="-677" t="-2139"/>
                 </a:stretch>
               </a:blipFill>
             </p:spPr>
@@ -17839,7 +17653,7 @@
 </file>
 
 <file path=ppt/slides/slide59.xml><?xml version="1.0" encoding="utf-8"?>
-<p:sld xmlns:a="http://schemas.openxmlformats.org/drawingml/2006/main" xmlns:r="http://schemas.openxmlformats.org/officeDocument/2006/relationships" xmlns:p="http://schemas.openxmlformats.org/presentationml/2006/main" show="0">
+<p:sld xmlns:a="http://schemas.openxmlformats.org/drawingml/2006/main" xmlns:r="http://schemas.openxmlformats.org/officeDocument/2006/relationships" xmlns:p="http://schemas.openxmlformats.org/presentationml/2006/main">
   <p:cSld>
     <p:spTree>
       <p:nvGrpSpPr>
@@ -17855,8 +17669,8 @@
           <a:chExt cx="0" cy="0"/>
         </a:xfrm>
       </p:grpSpPr>
-      <mc:AlternateContent xmlns:mc="http://schemas.openxmlformats.org/markup-compatibility/2006" xmlns:a14="http://schemas.microsoft.com/office/drawing/2010/main">
-        <mc:Choice Requires="a14">
+      <mc:AlternateContent xmlns:mc="http://schemas.openxmlformats.org/markup-compatibility/2006">
+        <mc:Choice xmlns:a14="http://schemas.microsoft.com/office/drawing/2010/main" Requires="a14">
           <p:sp>
             <p:nvSpPr>
               <p:cNvPr id="2" name="Content Placeholder 1">
@@ -17873,7 +17687,12 @@
                 <p:ph idx="1"/>
               </p:nvPr>
             </p:nvSpPr>
-            <p:spPr/>
+            <p:spPr>
+              <a:xfrm>
+                <a:off x="157803" y="1657350"/>
+                <a:ext cx="11699087" cy="4326200"/>
+              </a:xfrm>
+            </p:spPr>
             <p:txBody>
               <a:bodyPr/>
               <a:lstStyle/>
@@ -18226,7 +18045,7 @@
             </p:txBody>
           </p:sp>
         </mc:Choice>
-        <mc:Fallback xmlns="">
+        <mc:Fallback>
           <p:sp>
             <p:nvSpPr>
               <p:cNvPr id="2" name="Content Placeholder 1">
@@ -18244,10 +18063,14 @@
               </p:nvPr>
             </p:nvSpPr>
             <p:spPr>
+              <a:xfrm>
+                <a:off x="157803" y="1657350"/>
+                <a:ext cx="11699087" cy="4326200"/>
+              </a:xfrm>
               <a:blipFill>
                 <a:blip r:embed="rId2"/>
                 <a:stretch>
-                  <a:fillRect l="-625" t="-2384" r="-52"/>
+                  <a:fillRect l="-677" t="-2394"/>
                 </a:stretch>
               </a:blipFill>
             </p:spPr>
@@ -18665,7 +18488,7 @@
 </file>
 
 <file path=ppt/slides/slide60.xml><?xml version="1.0" encoding="utf-8"?>
-<p:sld xmlns:a="http://schemas.openxmlformats.org/drawingml/2006/main" xmlns:r="http://schemas.openxmlformats.org/officeDocument/2006/relationships" xmlns:p="http://schemas.openxmlformats.org/presentationml/2006/main" show="0">
+<p:sld xmlns:a="http://schemas.openxmlformats.org/drawingml/2006/main" xmlns:r="http://schemas.openxmlformats.org/officeDocument/2006/relationships" xmlns:p="http://schemas.openxmlformats.org/presentationml/2006/main">
   <p:cSld>
     <p:spTree>
       <p:nvGrpSpPr>
@@ -18681,8 +18504,8 @@
           <a:chExt cx="0" cy="0"/>
         </a:xfrm>
       </p:grpSpPr>
-      <mc:AlternateContent xmlns:mc="http://schemas.openxmlformats.org/markup-compatibility/2006" xmlns:a14="http://schemas.microsoft.com/office/drawing/2010/main">
-        <mc:Choice Requires="a14">
+      <mc:AlternateContent xmlns:mc="http://schemas.openxmlformats.org/markup-compatibility/2006">
+        <mc:Choice xmlns:a14="http://schemas.microsoft.com/office/drawing/2010/main" Requires="a14">
           <p:sp>
             <p:nvSpPr>
               <p:cNvPr id="2" name="Content Placeholder 1">
@@ -18867,6 +18690,9 @@
                 <a:endParaRPr lang="en-US" b="0" dirty="0"/>
               </a:p>
               <a:p>
+                <a:endParaRPr lang="en-US" dirty="0"/>
+              </a:p>
+              <a:p>
                 <a:r>
                   <a:rPr lang="en-US" dirty="0"/>
                   <a:t>Can we design a controller </a:t>
@@ -19229,7 +19055,7 @@
             </p:txBody>
           </p:sp>
         </mc:Choice>
-        <mc:Fallback xmlns="">
+        <mc:Fallback>
           <p:sp>
             <p:nvSpPr>
               <p:cNvPr id="2" name="Content Placeholder 1">
@@ -19250,7 +19076,7 @@
               <a:blipFill>
                 <a:blip r:embed="rId2"/>
                 <a:stretch>
-                  <a:fillRect l="-625" t="-2384" b="-1403"/>
+                  <a:fillRect l="-677" t="-1946"/>
                 </a:stretch>
               </a:blipFill>
             </p:spPr>
@@ -19345,7 +19171,7 @@
 </file>
 
 <file path=ppt/slides/slide61.xml><?xml version="1.0" encoding="utf-8"?>
-<p:sld xmlns:a="http://schemas.openxmlformats.org/drawingml/2006/main" xmlns:r="http://schemas.openxmlformats.org/officeDocument/2006/relationships" xmlns:p="http://schemas.openxmlformats.org/presentationml/2006/main" show="0">
+<p:sld xmlns:a="http://schemas.openxmlformats.org/drawingml/2006/main" xmlns:r="http://schemas.openxmlformats.org/officeDocument/2006/relationships" xmlns:p="http://schemas.openxmlformats.org/presentationml/2006/main">
   <p:cSld>
     <p:spTree>
       <p:nvGrpSpPr>
@@ -19377,14 +19203,19 @@
             <p:ph idx="1"/>
           </p:nvPr>
         </p:nvSpPr>
-        <p:spPr/>
+        <p:spPr>
+          <a:xfrm>
+            <a:off x="157803" y="1362074"/>
+            <a:ext cx="11699087" cy="4621475"/>
+          </a:xfrm>
+        </p:spPr>
         <p:txBody>
           <a:bodyPr/>
           <a:lstStyle/>
           <a:p>
             <a:r>
               <a:rPr lang="en-US" dirty="0"/>
-              <a:t>For linear systems, you can show that the system can be secured by a controller if there exists a decoder (i.e. observer) that can reconstruct the state within some number of steps</a:t>
+              <a:t>For linear systems, you can show that the system can be secured by a controller if there exists a decoder (i.e., observer) that can reconstruct the state within some number of steps</a:t>
             </a:r>
           </a:p>
           <a:p>
@@ -19508,7 +19339,7 @@
         <p:spPr/>
         <p:txBody>
           <a:bodyPr>
-            <a:normAutofit lnSpcReduction="10000"/>
+            <a:normAutofit/>
           </a:bodyPr>
           <a:lstStyle/>
           <a:p>
@@ -26938,8 +26769,8 @@
           </a:p>
         </p:txBody>
       </p:sp>
-      <mc:AlternateContent xmlns:mc="http://schemas.openxmlformats.org/markup-compatibility/2006">
-        <mc:Choice xmlns:a14="http://schemas.microsoft.com/office/drawing/2010/main" Requires="a14">
+      <mc:AlternateContent xmlns:mc="http://schemas.openxmlformats.org/markup-compatibility/2006" xmlns:a14="http://schemas.microsoft.com/office/drawing/2010/main">
+        <mc:Choice Requires="a14">
           <p:sp>
             <p:nvSpPr>
               <p:cNvPr id="4" name="Oval 3">
@@ -27019,7 +26850,7 @@
             </p:txBody>
           </p:sp>
         </mc:Choice>
-        <mc:Fallback>
+        <mc:Fallback xmlns="">
           <p:sp>
             <p:nvSpPr>
               <p:cNvPr id="4" name="Oval 3">
@@ -27064,8 +26895,8 @@
           </p:sp>
         </mc:Fallback>
       </mc:AlternateContent>
-      <mc:AlternateContent xmlns:mc="http://schemas.openxmlformats.org/markup-compatibility/2006">
-        <mc:Choice xmlns:a14="http://schemas.microsoft.com/office/drawing/2010/main" Requires="a14">
+      <mc:AlternateContent xmlns:mc="http://schemas.openxmlformats.org/markup-compatibility/2006" xmlns:a14="http://schemas.microsoft.com/office/drawing/2010/main">
+        <mc:Choice Requires="a14">
           <p:sp>
             <p:nvSpPr>
               <p:cNvPr id="6" name="Oval 5">
@@ -27145,7 +26976,7 @@
             </p:txBody>
           </p:sp>
         </mc:Choice>
-        <mc:Fallback>
+        <mc:Fallback xmlns="">
           <p:sp>
             <p:nvSpPr>
               <p:cNvPr id="6" name="Oval 5">
@@ -27190,8 +27021,8 @@
           </p:sp>
         </mc:Fallback>
       </mc:AlternateContent>
-      <mc:AlternateContent xmlns:mc="http://schemas.openxmlformats.org/markup-compatibility/2006">
-        <mc:Choice xmlns:a14="http://schemas.microsoft.com/office/drawing/2010/main" Requires="a14">
+      <mc:AlternateContent xmlns:mc="http://schemas.openxmlformats.org/markup-compatibility/2006" xmlns:a14="http://schemas.microsoft.com/office/drawing/2010/main">
+        <mc:Choice Requires="a14">
           <p:sp>
             <p:nvSpPr>
               <p:cNvPr id="8" name="Oval 7">
@@ -27271,7 +27102,7 @@
             </p:txBody>
           </p:sp>
         </mc:Choice>
-        <mc:Fallback>
+        <mc:Fallback xmlns="">
           <p:sp>
             <p:nvSpPr>
               <p:cNvPr id="8" name="Oval 7">
@@ -27316,8 +27147,8 @@
           </p:sp>
         </mc:Fallback>
       </mc:AlternateContent>
-      <mc:AlternateContent xmlns:mc="http://schemas.openxmlformats.org/markup-compatibility/2006">
-        <mc:Choice xmlns:a14="http://schemas.microsoft.com/office/drawing/2010/main" Requires="a14">
+      <mc:AlternateContent xmlns:mc="http://schemas.openxmlformats.org/markup-compatibility/2006" xmlns:a14="http://schemas.microsoft.com/office/drawing/2010/main">
+        <mc:Choice Requires="a14">
           <p:sp>
             <p:nvSpPr>
               <p:cNvPr id="10" name="Oval 9">
@@ -27397,7 +27228,7 @@
             </p:txBody>
           </p:sp>
         </mc:Choice>
-        <mc:Fallback>
+        <mc:Fallback xmlns="">
           <p:sp>
             <p:nvSpPr>
               <p:cNvPr id="10" name="Oval 9">
@@ -27442,8 +27273,8 @@
           </p:sp>
         </mc:Fallback>
       </mc:AlternateContent>
-      <mc:AlternateContent xmlns:mc="http://schemas.openxmlformats.org/markup-compatibility/2006">
-        <mc:Choice xmlns:a14="http://schemas.microsoft.com/office/drawing/2010/main" Requires="a14">
+      <mc:AlternateContent xmlns:mc="http://schemas.openxmlformats.org/markup-compatibility/2006" xmlns:a14="http://schemas.microsoft.com/office/drawing/2010/main">
+        <mc:Choice Requires="a14">
           <p:sp>
             <p:nvSpPr>
               <p:cNvPr id="12" name="Oval 11">
@@ -27523,7 +27354,7 @@
             </p:txBody>
           </p:sp>
         </mc:Choice>
-        <mc:Fallback>
+        <mc:Fallback xmlns="">
           <p:sp>
             <p:nvSpPr>
               <p:cNvPr id="12" name="Oval 11">
@@ -27869,8 +27700,8 @@
           </a:fontRef>
         </p:style>
       </p:cxnSp>
-      <mc:AlternateContent xmlns:mc="http://schemas.openxmlformats.org/markup-compatibility/2006">
-        <mc:Choice xmlns:a14="http://schemas.microsoft.com/office/drawing/2010/main" Requires="a14">
+      <mc:AlternateContent xmlns:mc="http://schemas.openxmlformats.org/markup-compatibility/2006" xmlns:a14="http://schemas.microsoft.com/office/drawing/2010/main">
+        <mc:Choice Requires="a14">
           <p:sp>
             <p:nvSpPr>
               <p:cNvPr id="38" name="Oval 37">
@@ -27950,7 +27781,7 @@
             </p:txBody>
           </p:sp>
         </mc:Choice>
-        <mc:Fallback>
+        <mc:Fallback xmlns="">
           <p:sp>
             <p:nvSpPr>
               <p:cNvPr id="38" name="Oval 37">
@@ -28038,8 +27869,8 @@
           </a:fontRef>
         </p:style>
       </p:cxnSp>
-      <mc:AlternateContent xmlns:mc="http://schemas.openxmlformats.org/markup-compatibility/2006" xmlns:a14="http://schemas.microsoft.com/office/drawing/2010/main">
-        <mc:Choice Requires="a14">
+      <mc:AlternateContent xmlns:mc="http://schemas.openxmlformats.org/markup-compatibility/2006">
+        <mc:Choice xmlns:a14="http://schemas.microsoft.com/office/drawing/2010/main" Requires="a14">
           <p:sp>
             <p:nvSpPr>
               <p:cNvPr id="46" name="Content Placeholder 1">
@@ -28058,13 +27889,13 @@
             </p:nvSpPr>
             <p:spPr>
               <a:xfrm>
-                <a:off x="4505343" y="1332703"/>
-                <a:ext cx="7360425" cy="4351338"/>
+                <a:off x="4505343" y="762000"/>
+                <a:ext cx="7360425" cy="4922041"/>
               </a:xfrm>
             </p:spPr>
             <p:txBody>
               <a:bodyPr>
-                <a:normAutofit fontScale="92500" lnSpcReduction="10000"/>
+                <a:normAutofit fontScale="92500" lnSpcReduction="20000"/>
               </a:bodyPr>
               <a:lstStyle/>
               <a:p>
@@ -28269,6 +28100,12 @@
                     </m:d>
                   </m:oMath>
                 </a14:m>
+                <a:endParaRPr lang="en-US" dirty="0"/>
+              </a:p>
+              <a:p>
+                <a:pPr marL="0" indent="0">
+                  <a:buNone/>
+                </a:pPr>
                 <a:endParaRPr lang="en-US" dirty="0"/>
               </a:p>
               <a:p>
@@ -29042,6 +28879,12 @@
                 <a:endParaRPr lang="en-US" b="0" dirty="0"/>
               </a:p>
               <a:p>
+                <a:pPr marL="0" indent="0">
+                  <a:buNone/>
+                </a:pPr>
+                <a:endParaRPr lang="en-US" b="0" dirty="0"/>
+              </a:p>
+              <a:p>
                 <a:r>
                   <a:rPr lang="en-US" dirty="0"/>
                   <a:t>Neighbors of node </a:t>
@@ -29090,6 +28933,7 @@
                 <a:endParaRPr lang="en-US" b="0" dirty="0"/>
               </a:p>
               <a:p>
+                <a:pPr lvl="1"/>
                 <a14:m>
                   <m:oMath xmlns:m="http://schemas.openxmlformats.org/officeDocument/2006/math">
                     <m:sSub>
@@ -29525,7 +29369,7 @@
             </p:txBody>
           </p:sp>
         </mc:Choice>
-        <mc:Fallback xmlns="">
+        <mc:Fallback>
           <p:sp>
             <p:nvSpPr>
               <p:cNvPr id="46" name="Content Placeholder 1">
@@ -29544,13 +29388,13 @@
             </p:nvSpPr>
             <p:spPr>
               <a:xfrm>
-                <a:off x="4505343" y="1332703"/>
-                <a:ext cx="7360425" cy="4351338"/>
+                <a:off x="4505343" y="762000"/>
+                <a:ext cx="7360425" cy="4922041"/>
               </a:xfrm>
               <a:blipFill>
                 <a:blip r:embed="rId8"/>
                 <a:stretch>
-                  <a:fillRect l="-829" t="-2945" b="-2384"/>
+                  <a:fillRect l="-829" t="-3098"/>
                 </a:stretch>
               </a:blipFill>
             </p:spPr>
@@ -29712,7 +29556,7 @@
         </p:nvSpPr>
         <p:spPr>
           <a:xfrm>
-            <a:off x="166680" y="5634878"/>
+            <a:off x="166681" y="5770171"/>
             <a:ext cx="11197282" cy="523220"/>
           </a:xfrm>
           <a:prstGeom prst="rect">
